--- a/(코드분석) WebGL Hole Filling.pptx
+++ b/(코드분석) WebGL Hole Filling.pptx
@@ -5,19 +5,20 @@
     <p:sldMasterId id="2147483648" r:id="rId1"/>
   </p:sldMasterIdLst>
   <p:handoutMasterIdLst>
-    <p:handoutMasterId r:id="rId12"/>
+    <p:handoutMasterId r:id="rId13"/>
   </p:handoutMasterIdLst>
   <p:sldIdLst>
     <p:sldId id="265" r:id="rId2"/>
     <p:sldId id="266" r:id="rId3"/>
     <p:sldId id="267" r:id="rId4"/>
-    <p:sldId id="264" r:id="rId5"/>
-    <p:sldId id="257" r:id="rId6"/>
-    <p:sldId id="258" r:id="rId7"/>
-    <p:sldId id="259" r:id="rId8"/>
-    <p:sldId id="260" r:id="rId9"/>
-    <p:sldId id="263" r:id="rId10"/>
-    <p:sldId id="262" r:id="rId11"/>
+    <p:sldId id="268" r:id="rId5"/>
+    <p:sldId id="264" r:id="rId6"/>
+    <p:sldId id="257" r:id="rId7"/>
+    <p:sldId id="258" r:id="rId8"/>
+    <p:sldId id="259" r:id="rId9"/>
+    <p:sldId id="260" r:id="rId10"/>
+    <p:sldId id="263" r:id="rId11"/>
+    <p:sldId id="262" r:id="rId12"/>
   </p:sldIdLst>
   <p:sldSz cx="12192000" cy="6858000"/>
   <p:notesSz cx="6797675" cy="9874250"/>
@@ -311,7 +312,7 @@
           <p:cNvPr id="2" name="제목 1">
             <a:extLst>
               <a:ext uri="{FF2B5EF4-FFF2-40B4-BE49-F238E27FC236}">
-                <a16:creationId xmlns:a16="http://schemas.microsoft.com/office/drawing/2014/main" xmlns="" id="{54051138-F9F9-4F37-9137-1CA878D46FBF}"/>
+                <a16:creationId xmlns="" xmlns:a16="http://schemas.microsoft.com/office/drawing/2014/main" id="{54051138-F9F9-4F37-9137-1CA878D46FBF}"/>
               </a:ext>
             </a:extLst>
           </p:cNvPr>
@@ -348,7 +349,7 @@
           <p:cNvPr id="3" name="부제목 2">
             <a:extLst>
               <a:ext uri="{FF2B5EF4-FFF2-40B4-BE49-F238E27FC236}">
-                <a16:creationId xmlns:a16="http://schemas.microsoft.com/office/drawing/2014/main" xmlns="" id="{4CAEE410-11E6-47FA-8929-3B03DE2A5BF4}"/>
+                <a16:creationId xmlns="" xmlns:a16="http://schemas.microsoft.com/office/drawing/2014/main" id="{4CAEE410-11E6-47FA-8929-3B03DE2A5BF4}"/>
               </a:ext>
             </a:extLst>
           </p:cNvPr>
@@ -418,7 +419,7 @@
           <p:cNvPr id="4" name="날짜 개체 틀 3">
             <a:extLst>
               <a:ext uri="{FF2B5EF4-FFF2-40B4-BE49-F238E27FC236}">
-                <a16:creationId xmlns:a16="http://schemas.microsoft.com/office/drawing/2014/main" xmlns="" id="{EAFFAF51-49D8-436C-92C9-97A2524CE9C6}"/>
+                <a16:creationId xmlns="" xmlns:a16="http://schemas.microsoft.com/office/drawing/2014/main" id="{EAFFAF51-49D8-436C-92C9-97A2524CE9C6}"/>
               </a:ext>
             </a:extLst>
           </p:cNvPr>
@@ -447,7 +448,7 @@
           <p:cNvPr id="5" name="바닥글 개체 틀 4">
             <a:extLst>
               <a:ext uri="{FF2B5EF4-FFF2-40B4-BE49-F238E27FC236}">
-                <a16:creationId xmlns:a16="http://schemas.microsoft.com/office/drawing/2014/main" xmlns="" id="{7A47D1CA-6DC8-4E0C-94E5-7579171D62C1}"/>
+                <a16:creationId xmlns="" xmlns:a16="http://schemas.microsoft.com/office/drawing/2014/main" id="{7A47D1CA-6DC8-4E0C-94E5-7579171D62C1}"/>
               </a:ext>
             </a:extLst>
           </p:cNvPr>
@@ -472,7 +473,7 @@
           <p:cNvPr id="6" name="슬라이드 번호 개체 틀 5">
             <a:extLst>
               <a:ext uri="{FF2B5EF4-FFF2-40B4-BE49-F238E27FC236}">
-                <a16:creationId xmlns:a16="http://schemas.microsoft.com/office/drawing/2014/main" xmlns="" id="{A3B019CE-F6F5-4DB5-9980-16C19F3FCB32}"/>
+                <a16:creationId xmlns="" xmlns:a16="http://schemas.microsoft.com/office/drawing/2014/main" id="{A3B019CE-F6F5-4DB5-9980-16C19F3FCB32}"/>
               </a:ext>
             </a:extLst>
           </p:cNvPr>
@@ -531,7 +532,7 @@
           <p:cNvPr id="2" name="제목 1">
             <a:extLst>
               <a:ext uri="{FF2B5EF4-FFF2-40B4-BE49-F238E27FC236}">
-                <a16:creationId xmlns:a16="http://schemas.microsoft.com/office/drawing/2014/main" xmlns="" id="{D318F80F-A3FC-437F-A156-4D1A99534187}"/>
+                <a16:creationId xmlns="" xmlns:a16="http://schemas.microsoft.com/office/drawing/2014/main" id="{D318F80F-A3FC-437F-A156-4D1A99534187}"/>
               </a:ext>
             </a:extLst>
           </p:cNvPr>
@@ -559,7 +560,7 @@
           <p:cNvPr id="3" name="세로 텍스트 개체 틀 2">
             <a:extLst>
               <a:ext uri="{FF2B5EF4-FFF2-40B4-BE49-F238E27FC236}">
-                <a16:creationId xmlns:a16="http://schemas.microsoft.com/office/drawing/2014/main" xmlns="" id="{2EFB52AE-9833-4D35-A60F-4D71B8888A7D}"/>
+                <a16:creationId xmlns="" xmlns:a16="http://schemas.microsoft.com/office/drawing/2014/main" id="{2EFB52AE-9833-4D35-A60F-4D71B8888A7D}"/>
               </a:ext>
             </a:extLst>
           </p:cNvPr>
@@ -616,7 +617,7 @@
           <p:cNvPr id="4" name="날짜 개체 틀 3">
             <a:extLst>
               <a:ext uri="{FF2B5EF4-FFF2-40B4-BE49-F238E27FC236}">
-                <a16:creationId xmlns:a16="http://schemas.microsoft.com/office/drawing/2014/main" xmlns="" id="{52CCF8B6-131E-4B6F-AC63-27AAB15FD78F}"/>
+                <a16:creationId xmlns="" xmlns:a16="http://schemas.microsoft.com/office/drawing/2014/main" id="{52CCF8B6-131E-4B6F-AC63-27AAB15FD78F}"/>
               </a:ext>
             </a:extLst>
           </p:cNvPr>
@@ -645,7 +646,7 @@
           <p:cNvPr id="5" name="바닥글 개체 틀 4">
             <a:extLst>
               <a:ext uri="{FF2B5EF4-FFF2-40B4-BE49-F238E27FC236}">
-                <a16:creationId xmlns:a16="http://schemas.microsoft.com/office/drawing/2014/main" xmlns="" id="{30077F96-E732-48DC-8011-C3B997043ED0}"/>
+                <a16:creationId xmlns="" xmlns:a16="http://schemas.microsoft.com/office/drawing/2014/main" id="{30077F96-E732-48DC-8011-C3B997043ED0}"/>
               </a:ext>
             </a:extLst>
           </p:cNvPr>
@@ -670,7 +671,7 @@
           <p:cNvPr id="6" name="슬라이드 번호 개체 틀 5">
             <a:extLst>
               <a:ext uri="{FF2B5EF4-FFF2-40B4-BE49-F238E27FC236}">
-                <a16:creationId xmlns:a16="http://schemas.microsoft.com/office/drawing/2014/main" xmlns="" id="{0DFAF7F3-2273-4C02-9C81-4F9A76F7E716}"/>
+                <a16:creationId xmlns="" xmlns:a16="http://schemas.microsoft.com/office/drawing/2014/main" id="{0DFAF7F3-2273-4C02-9C81-4F9A76F7E716}"/>
               </a:ext>
             </a:extLst>
           </p:cNvPr>
@@ -729,7 +730,7 @@
           <p:cNvPr id="2" name="세로 제목 1">
             <a:extLst>
               <a:ext uri="{FF2B5EF4-FFF2-40B4-BE49-F238E27FC236}">
-                <a16:creationId xmlns:a16="http://schemas.microsoft.com/office/drawing/2014/main" xmlns="" id="{37B86577-2152-4261-A796-1E7144FF10E3}"/>
+                <a16:creationId xmlns="" xmlns:a16="http://schemas.microsoft.com/office/drawing/2014/main" id="{37B86577-2152-4261-A796-1E7144FF10E3}"/>
               </a:ext>
             </a:extLst>
           </p:cNvPr>
@@ -762,7 +763,7 @@
           <p:cNvPr id="3" name="세로 텍스트 개체 틀 2">
             <a:extLst>
               <a:ext uri="{FF2B5EF4-FFF2-40B4-BE49-F238E27FC236}">
-                <a16:creationId xmlns:a16="http://schemas.microsoft.com/office/drawing/2014/main" xmlns="" id="{5FB6CC55-400C-4AD0-8259-D5D608EEB0A1}"/>
+                <a16:creationId xmlns="" xmlns:a16="http://schemas.microsoft.com/office/drawing/2014/main" id="{5FB6CC55-400C-4AD0-8259-D5D608EEB0A1}"/>
               </a:ext>
             </a:extLst>
           </p:cNvPr>
@@ -824,7 +825,7 @@
           <p:cNvPr id="4" name="날짜 개체 틀 3">
             <a:extLst>
               <a:ext uri="{FF2B5EF4-FFF2-40B4-BE49-F238E27FC236}">
-                <a16:creationId xmlns:a16="http://schemas.microsoft.com/office/drawing/2014/main" xmlns="" id="{C207984C-2058-4AF9-AAA6-44A01C58293E}"/>
+                <a16:creationId xmlns="" xmlns:a16="http://schemas.microsoft.com/office/drawing/2014/main" id="{C207984C-2058-4AF9-AAA6-44A01C58293E}"/>
               </a:ext>
             </a:extLst>
           </p:cNvPr>
@@ -853,7 +854,7 @@
           <p:cNvPr id="5" name="바닥글 개체 틀 4">
             <a:extLst>
               <a:ext uri="{FF2B5EF4-FFF2-40B4-BE49-F238E27FC236}">
-                <a16:creationId xmlns:a16="http://schemas.microsoft.com/office/drawing/2014/main" xmlns="" id="{EFC6C65F-A09E-4C5D-AEB2-7E906398F928}"/>
+                <a16:creationId xmlns="" xmlns:a16="http://schemas.microsoft.com/office/drawing/2014/main" id="{EFC6C65F-A09E-4C5D-AEB2-7E906398F928}"/>
               </a:ext>
             </a:extLst>
           </p:cNvPr>
@@ -878,7 +879,7 @@
           <p:cNvPr id="6" name="슬라이드 번호 개체 틀 5">
             <a:extLst>
               <a:ext uri="{FF2B5EF4-FFF2-40B4-BE49-F238E27FC236}">
-                <a16:creationId xmlns:a16="http://schemas.microsoft.com/office/drawing/2014/main" xmlns="" id="{3C9901F2-022A-4A36-A963-4003AFB1C477}"/>
+                <a16:creationId xmlns="" xmlns:a16="http://schemas.microsoft.com/office/drawing/2014/main" id="{3C9901F2-022A-4A36-A963-4003AFB1C477}"/>
               </a:ext>
             </a:extLst>
           </p:cNvPr>
@@ -937,7 +938,7 @@
           <p:cNvPr id="2" name="제목 1">
             <a:extLst>
               <a:ext uri="{FF2B5EF4-FFF2-40B4-BE49-F238E27FC236}">
-                <a16:creationId xmlns:a16="http://schemas.microsoft.com/office/drawing/2014/main" xmlns="" id="{112A0020-9F57-4FF2-968C-3BFF7891137F}"/>
+                <a16:creationId xmlns="" xmlns:a16="http://schemas.microsoft.com/office/drawing/2014/main" id="{112A0020-9F57-4FF2-968C-3BFF7891137F}"/>
               </a:ext>
             </a:extLst>
           </p:cNvPr>
@@ -965,7 +966,7 @@
           <p:cNvPr id="3" name="내용 개체 틀 2">
             <a:extLst>
               <a:ext uri="{FF2B5EF4-FFF2-40B4-BE49-F238E27FC236}">
-                <a16:creationId xmlns:a16="http://schemas.microsoft.com/office/drawing/2014/main" xmlns="" id="{E95897F3-4E7F-4BE2-97DB-4AF8503FF5F6}"/>
+                <a16:creationId xmlns="" xmlns:a16="http://schemas.microsoft.com/office/drawing/2014/main" id="{E95897F3-4E7F-4BE2-97DB-4AF8503FF5F6}"/>
               </a:ext>
             </a:extLst>
           </p:cNvPr>
@@ -1022,7 +1023,7 @@
           <p:cNvPr id="4" name="날짜 개체 틀 3">
             <a:extLst>
               <a:ext uri="{FF2B5EF4-FFF2-40B4-BE49-F238E27FC236}">
-                <a16:creationId xmlns:a16="http://schemas.microsoft.com/office/drawing/2014/main" xmlns="" id="{0642FBA8-1A9E-43FF-A67A-34ED61CEDA5A}"/>
+                <a16:creationId xmlns="" xmlns:a16="http://schemas.microsoft.com/office/drawing/2014/main" id="{0642FBA8-1A9E-43FF-A67A-34ED61CEDA5A}"/>
               </a:ext>
             </a:extLst>
           </p:cNvPr>
@@ -1051,7 +1052,7 @@
           <p:cNvPr id="5" name="바닥글 개체 틀 4">
             <a:extLst>
               <a:ext uri="{FF2B5EF4-FFF2-40B4-BE49-F238E27FC236}">
-                <a16:creationId xmlns:a16="http://schemas.microsoft.com/office/drawing/2014/main" xmlns="" id="{9681F568-18B3-4C23-9975-E84F702277F4}"/>
+                <a16:creationId xmlns="" xmlns:a16="http://schemas.microsoft.com/office/drawing/2014/main" id="{9681F568-18B3-4C23-9975-E84F702277F4}"/>
               </a:ext>
             </a:extLst>
           </p:cNvPr>
@@ -1076,7 +1077,7 @@
           <p:cNvPr id="6" name="슬라이드 번호 개체 틀 5">
             <a:extLst>
               <a:ext uri="{FF2B5EF4-FFF2-40B4-BE49-F238E27FC236}">
-                <a16:creationId xmlns:a16="http://schemas.microsoft.com/office/drawing/2014/main" xmlns="" id="{EF2A758B-6E08-4CD2-9151-D03EDC6A288A}"/>
+                <a16:creationId xmlns="" xmlns:a16="http://schemas.microsoft.com/office/drawing/2014/main" id="{EF2A758B-6E08-4CD2-9151-D03EDC6A288A}"/>
               </a:ext>
             </a:extLst>
           </p:cNvPr>
@@ -1135,7 +1136,7 @@
           <p:cNvPr id="2" name="제목 1">
             <a:extLst>
               <a:ext uri="{FF2B5EF4-FFF2-40B4-BE49-F238E27FC236}">
-                <a16:creationId xmlns:a16="http://schemas.microsoft.com/office/drawing/2014/main" xmlns="" id="{C6172DB4-5594-4E61-B641-DB123FC9EFA8}"/>
+                <a16:creationId xmlns="" xmlns:a16="http://schemas.microsoft.com/office/drawing/2014/main" id="{C6172DB4-5594-4E61-B641-DB123FC9EFA8}"/>
               </a:ext>
             </a:extLst>
           </p:cNvPr>
@@ -1172,7 +1173,7 @@
           <p:cNvPr id="3" name="텍스트 개체 틀 2">
             <a:extLst>
               <a:ext uri="{FF2B5EF4-FFF2-40B4-BE49-F238E27FC236}">
-                <a16:creationId xmlns:a16="http://schemas.microsoft.com/office/drawing/2014/main" xmlns="" id="{8B4B6CD0-5AD2-4CC3-9CC1-51F4205B5BA0}"/>
+                <a16:creationId xmlns="" xmlns:a16="http://schemas.microsoft.com/office/drawing/2014/main" id="{8B4B6CD0-5AD2-4CC3-9CC1-51F4205B5BA0}"/>
               </a:ext>
             </a:extLst>
           </p:cNvPr>
@@ -1297,7 +1298,7 @@
           <p:cNvPr id="4" name="날짜 개체 틀 3">
             <a:extLst>
               <a:ext uri="{FF2B5EF4-FFF2-40B4-BE49-F238E27FC236}">
-                <a16:creationId xmlns:a16="http://schemas.microsoft.com/office/drawing/2014/main" xmlns="" id="{84F7FB3E-29D5-469C-948E-CD3E371037A1}"/>
+                <a16:creationId xmlns="" xmlns:a16="http://schemas.microsoft.com/office/drawing/2014/main" id="{84F7FB3E-29D5-469C-948E-CD3E371037A1}"/>
               </a:ext>
             </a:extLst>
           </p:cNvPr>
@@ -1326,7 +1327,7 @@
           <p:cNvPr id="5" name="바닥글 개체 틀 4">
             <a:extLst>
               <a:ext uri="{FF2B5EF4-FFF2-40B4-BE49-F238E27FC236}">
-                <a16:creationId xmlns:a16="http://schemas.microsoft.com/office/drawing/2014/main" xmlns="" id="{B9AE25D0-B6EF-4F37-A1E3-00635F5F3196}"/>
+                <a16:creationId xmlns="" xmlns:a16="http://schemas.microsoft.com/office/drawing/2014/main" id="{B9AE25D0-B6EF-4F37-A1E3-00635F5F3196}"/>
               </a:ext>
             </a:extLst>
           </p:cNvPr>
@@ -1351,7 +1352,7 @@
           <p:cNvPr id="6" name="슬라이드 번호 개체 틀 5">
             <a:extLst>
               <a:ext uri="{FF2B5EF4-FFF2-40B4-BE49-F238E27FC236}">
-                <a16:creationId xmlns:a16="http://schemas.microsoft.com/office/drawing/2014/main" xmlns="" id="{1DD4DF7B-242A-4851-819B-A5C156F167EE}"/>
+                <a16:creationId xmlns="" xmlns:a16="http://schemas.microsoft.com/office/drawing/2014/main" id="{1DD4DF7B-242A-4851-819B-A5C156F167EE}"/>
               </a:ext>
             </a:extLst>
           </p:cNvPr>
@@ -1410,7 +1411,7 @@
           <p:cNvPr id="2" name="제목 1">
             <a:extLst>
               <a:ext uri="{FF2B5EF4-FFF2-40B4-BE49-F238E27FC236}">
-                <a16:creationId xmlns:a16="http://schemas.microsoft.com/office/drawing/2014/main" xmlns="" id="{C005B042-2DA6-4FAF-82FB-61C41C0F162C}"/>
+                <a16:creationId xmlns="" xmlns:a16="http://schemas.microsoft.com/office/drawing/2014/main" id="{C005B042-2DA6-4FAF-82FB-61C41C0F162C}"/>
               </a:ext>
             </a:extLst>
           </p:cNvPr>
@@ -1438,7 +1439,7 @@
           <p:cNvPr id="3" name="내용 개체 틀 2">
             <a:extLst>
               <a:ext uri="{FF2B5EF4-FFF2-40B4-BE49-F238E27FC236}">
-                <a16:creationId xmlns:a16="http://schemas.microsoft.com/office/drawing/2014/main" xmlns="" id="{5EED6CAD-834A-4E8F-93EE-1221ED6AA23B}"/>
+                <a16:creationId xmlns="" xmlns:a16="http://schemas.microsoft.com/office/drawing/2014/main" id="{5EED6CAD-834A-4E8F-93EE-1221ED6AA23B}"/>
               </a:ext>
             </a:extLst>
           </p:cNvPr>
@@ -1500,7 +1501,7 @@
           <p:cNvPr id="4" name="내용 개체 틀 3">
             <a:extLst>
               <a:ext uri="{FF2B5EF4-FFF2-40B4-BE49-F238E27FC236}">
-                <a16:creationId xmlns:a16="http://schemas.microsoft.com/office/drawing/2014/main" xmlns="" id="{7FA59783-9AC4-4048-ADCC-6BBD15EFD3A4}"/>
+                <a16:creationId xmlns="" xmlns:a16="http://schemas.microsoft.com/office/drawing/2014/main" id="{7FA59783-9AC4-4048-ADCC-6BBD15EFD3A4}"/>
               </a:ext>
             </a:extLst>
           </p:cNvPr>
@@ -1562,7 +1563,7 @@
           <p:cNvPr id="5" name="날짜 개체 틀 4">
             <a:extLst>
               <a:ext uri="{FF2B5EF4-FFF2-40B4-BE49-F238E27FC236}">
-                <a16:creationId xmlns:a16="http://schemas.microsoft.com/office/drawing/2014/main" xmlns="" id="{4412BD03-8E1A-42AB-8AF7-00E098AC3814}"/>
+                <a16:creationId xmlns="" xmlns:a16="http://schemas.microsoft.com/office/drawing/2014/main" id="{4412BD03-8E1A-42AB-8AF7-00E098AC3814}"/>
               </a:ext>
             </a:extLst>
           </p:cNvPr>
@@ -1591,7 +1592,7 @@
           <p:cNvPr id="6" name="바닥글 개체 틀 5">
             <a:extLst>
               <a:ext uri="{FF2B5EF4-FFF2-40B4-BE49-F238E27FC236}">
-                <a16:creationId xmlns:a16="http://schemas.microsoft.com/office/drawing/2014/main" xmlns="" id="{D275696D-96F6-449A-A17F-C8215F0E1C86}"/>
+                <a16:creationId xmlns="" xmlns:a16="http://schemas.microsoft.com/office/drawing/2014/main" id="{D275696D-96F6-449A-A17F-C8215F0E1C86}"/>
               </a:ext>
             </a:extLst>
           </p:cNvPr>
@@ -1616,7 +1617,7 @@
           <p:cNvPr id="7" name="슬라이드 번호 개체 틀 6">
             <a:extLst>
               <a:ext uri="{FF2B5EF4-FFF2-40B4-BE49-F238E27FC236}">
-                <a16:creationId xmlns:a16="http://schemas.microsoft.com/office/drawing/2014/main" xmlns="" id="{C0757C77-05C6-4ADB-80F0-9EF858B72D28}"/>
+                <a16:creationId xmlns="" xmlns:a16="http://schemas.microsoft.com/office/drawing/2014/main" id="{C0757C77-05C6-4ADB-80F0-9EF858B72D28}"/>
               </a:ext>
             </a:extLst>
           </p:cNvPr>
@@ -1675,7 +1676,7 @@
           <p:cNvPr id="2" name="제목 1">
             <a:extLst>
               <a:ext uri="{FF2B5EF4-FFF2-40B4-BE49-F238E27FC236}">
-                <a16:creationId xmlns:a16="http://schemas.microsoft.com/office/drawing/2014/main" xmlns="" id="{66FBFA8E-75D4-4B4B-AC7E-CD16848B04F6}"/>
+                <a16:creationId xmlns="" xmlns:a16="http://schemas.microsoft.com/office/drawing/2014/main" id="{66FBFA8E-75D4-4B4B-AC7E-CD16848B04F6}"/>
               </a:ext>
             </a:extLst>
           </p:cNvPr>
@@ -1708,7 +1709,7 @@
           <p:cNvPr id="3" name="텍스트 개체 틀 2">
             <a:extLst>
               <a:ext uri="{FF2B5EF4-FFF2-40B4-BE49-F238E27FC236}">
-                <a16:creationId xmlns:a16="http://schemas.microsoft.com/office/drawing/2014/main" xmlns="" id="{0D768B64-9EBF-4B1A-928B-AEA7623F3031}"/>
+                <a16:creationId xmlns="" xmlns:a16="http://schemas.microsoft.com/office/drawing/2014/main" id="{0D768B64-9EBF-4B1A-928B-AEA7623F3031}"/>
               </a:ext>
             </a:extLst>
           </p:cNvPr>
@@ -1779,7 +1780,7 @@
           <p:cNvPr id="4" name="내용 개체 틀 3">
             <a:extLst>
               <a:ext uri="{FF2B5EF4-FFF2-40B4-BE49-F238E27FC236}">
-                <a16:creationId xmlns:a16="http://schemas.microsoft.com/office/drawing/2014/main" xmlns="" id="{A4F14614-E4AD-4470-9C89-A6CB529B7F5D}"/>
+                <a16:creationId xmlns="" xmlns:a16="http://schemas.microsoft.com/office/drawing/2014/main" id="{A4F14614-E4AD-4470-9C89-A6CB529B7F5D}"/>
               </a:ext>
             </a:extLst>
           </p:cNvPr>
@@ -1841,7 +1842,7 @@
           <p:cNvPr id="5" name="텍스트 개체 틀 4">
             <a:extLst>
               <a:ext uri="{FF2B5EF4-FFF2-40B4-BE49-F238E27FC236}">
-                <a16:creationId xmlns:a16="http://schemas.microsoft.com/office/drawing/2014/main" xmlns="" id="{FB84B32D-2D78-49F5-A725-5A9555093639}"/>
+                <a16:creationId xmlns="" xmlns:a16="http://schemas.microsoft.com/office/drawing/2014/main" id="{FB84B32D-2D78-49F5-A725-5A9555093639}"/>
               </a:ext>
             </a:extLst>
           </p:cNvPr>
@@ -1912,7 +1913,7 @@
           <p:cNvPr id="6" name="내용 개체 틀 5">
             <a:extLst>
               <a:ext uri="{FF2B5EF4-FFF2-40B4-BE49-F238E27FC236}">
-                <a16:creationId xmlns:a16="http://schemas.microsoft.com/office/drawing/2014/main" xmlns="" id="{B307CF90-9550-42BA-A1D9-5FBADB738629}"/>
+                <a16:creationId xmlns="" xmlns:a16="http://schemas.microsoft.com/office/drawing/2014/main" id="{B307CF90-9550-42BA-A1D9-5FBADB738629}"/>
               </a:ext>
             </a:extLst>
           </p:cNvPr>
@@ -1974,7 +1975,7 @@
           <p:cNvPr id="7" name="날짜 개체 틀 6">
             <a:extLst>
               <a:ext uri="{FF2B5EF4-FFF2-40B4-BE49-F238E27FC236}">
-                <a16:creationId xmlns:a16="http://schemas.microsoft.com/office/drawing/2014/main" xmlns="" id="{CA1912F5-5339-47A0-ACF7-660E0DA06971}"/>
+                <a16:creationId xmlns="" xmlns:a16="http://schemas.microsoft.com/office/drawing/2014/main" id="{CA1912F5-5339-47A0-ACF7-660E0DA06971}"/>
               </a:ext>
             </a:extLst>
           </p:cNvPr>
@@ -2003,7 +2004,7 @@
           <p:cNvPr id="8" name="바닥글 개체 틀 7">
             <a:extLst>
               <a:ext uri="{FF2B5EF4-FFF2-40B4-BE49-F238E27FC236}">
-                <a16:creationId xmlns:a16="http://schemas.microsoft.com/office/drawing/2014/main" xmlns="" id="{6A69F199-AE09-4C8F-AF2E-F9CC811E8C54}"/>
+                <a16:creationId xmlns="" xmlns:a16="http://schemas.microsoft.com/office/drawing/2014/main" id="{6A69F199-AE09-4C8F-AF2E-F9CC811E8C54}"/>
               </a:ext>
             </a:extLst>
           </p:cNvPr>
@@ -2028,7 +2029,7 @@
           <p:cNvPr id="9" name="슬라이드 번호 개체 틀 8">
             <a:extLst>
               <a:ext uri="{FF2B5EF4-FFF2-40B4-BE49-F238E27FC236}">
-                <a16:creationId xmlns:a16="http://schemas.microsoft.com/office/drawing/2014/main" xmlns="" id="{0CE63C48-FE87-4AB2-A331-1435DAA94F08}"/>
+                <a16:creationId xmlns="" xmlns:a16="http://schemas.microsoft.com/office/drawing/2014/main" id="{0CE63C48-FE87-4AB2-A331-1435DAA94F08}"/>
               </a:ext>
             </a:extLst>
           </p:cNvPr>
@@ -2087,7 +2088,7 @@
           <p:cNvPr id="2" name="제목 1">
             <a:extLst>
               <a:ext uri="{FF2B5EF4-FFF2-40B4-BE49-F238E27FC236}">
-                <a16:creationId xmlns:a16="http://schemas.microsoft.com/office/drawing/2014/main" xmlns="" id="{F8D32DF6-322C-4975-9F87-D4BF222FB3F5}"/>
+                <a16:creationId xmlns="" xmlns:a16="http://schemas.microsoft.com/office/drawing/2014/main" id="{F8D32DF6-322C-4975-9F87-D4BF222FB3F5}"/>
               </a:ext>
             </a:extLst>
           </p:cNvPr>
@@ -2115,7 +2116,7 @@
           <p:cNvPr id="3" name="날짜 개체 틀 2">
             <a:extLst>
               <a:ext uri="{FF2B5EF4-FFF2-40B4-BE49-F238E27FC236}">
-                <a16:creationId xmlns:a16="http://schemas.microsoft.com/office/drawing/2014/main" xmlns="" id="{A76864D5-6C7D-48DC-9E10-FE2840BFF332}"/>
+                <a16:creationId xmlns="" xmlns:a16="http://schemas.microsoft.com/office/drawing/2014/main" id="{A76864D5-6C7D-48DC-9E10-FE2840BFF332}"/>
               </a:ext>
             </a:extLst>
           </p:cNvPr>
@@ -2144,7 +2145,7 @@
           <p:cNvPr id="4" name="바닥글 개체 틀 3">
             <a:extLst>
               <a:ext uri="{FF2B5EF4-FFF2-40B4-BE49-F238E27FC236}">
-                <a16:creationId xmlns:a16="http://schemas.microsoft.com/office/drawing/2014/main" xmlns="" id="{E7E645F4-8FC7-4A34-B29F-D8068E7CA805}"/>
+                <a16:creationId xmlns="" xmlns:a16="http://schemas.microsoft.com/office/drawing/2014/main" id="{E7E645F4-8FC7-4A34-B29F-D8068E7CA805}"/>
               </a:ext>
             </a:extLst>
           </p:cNvPr>
@@ -2169,7 +2170,7 @@
           <p:cNvPr id="5" name="슬라이드 번호 개체 틀 4">
             <a:extLst>
               <a:ext uri="{FF2B5EF4-FFF2-40B4-BE49-F238E27FC236}">
-                <a16:creationId xmlns:a16="http://schemas.microsoft.com/office/drawing/2014/main" xmlns="" id="{CB43BA4D-C4F0-4ADE-8B59-178E27F434F3}"/>
+                <a16:creationId xmlns="" xmlns:a16="http://schemas.microsoft.com/office/drawing/2014/main" id="{CB43BA4D-C4F0-4ADE-8B59-178E27F434F3}"/>
               </a:ext>
             </a:extLst>
           </p:cNvPr>
@@ -2228,7 +2229,7 @@
           <p:cNvPr id="2" name="날짜 개체 틀 1">
             <a:extLst>
               <a:ext uri="{FF2B5EF4-FFF2-40B4-BE49-F238E27FC236}">
-                <a16:creationId xmlns:a16="http://schemas.microsoft.com/office/drawing/2014/main" xmlns="" id="{B2452C7D-718F-4A9E-AFCC-DB629B12C0A4}"/>
+                <a16:creationId xmlns="" xmlns:a16="http://schemas.microsoft.com/office/drawing/2014/main" id="{B2452C7D-718F-4A9E-AFCC-DB629B12C0A4}"/>
               </a:ext>
             </a:extLst>
           </p:cNvPr>
@@ -2257,7 +2258,7 @@
           <p:cNvPr id="3" name="바닥글 개체 틀 2">
             <a:extLst>
               <a:ext uri="{FF2B5EF4-FFF2-40B4-BE49-F238E27FC236}">
-                <a16:creationId xmlns:a16="http://schemas.microsoft.com/office/drawing/2014/main" xmlns="" id="{ED5B7737-C9A0-4FDE-8DAF-89BB91253190}"/>
+                <a16:creationId xmlns="" xmlns:a16="http://schemas.microsoft.com/office/drawing/2014/main" id="{ED5B7737-C9A0-4FDE-8DAF-89BB91253190}"/>
               </a:ext>
             </a:extLst>
           </p:cNvPr>
@@ -2282,7 +2283,7 @@
           <p:cNvPr id="4" name="슬라이드 번호 개체 틀 3">
             <a:extLst>
               <a:ext uri="{FF2B5EF4-FFF2-40B4-BE49-F238E27FC236}">
-                <a16:creationId xmlns:a16="http://schemas.microsoft.com/office/drawing/2014/main" xmlns="" id="{9441738B-CC95-42F2-A240-8B0E8E4319D6}"/>
+                <a16:creationId xmlns="" xmlns:a16="http://schemas.microsoft.com/office/drawing/2014/main" id="{9441738B-CC95-42F2-A240-8B0E8E4319D6}"/>
               </a:ext>
             </a:extLst>
           </p:cNvPr>
@@ -2341,7 +2342,7 @@
           <p:cNvPr id="2" name="제목 1">
             <a:extLst>
               <a:ext uri="{FF2B5EF4-FFF2-40B4-BE49-F238E27FC236}">
-                <a16:creationId xmlns:a16="http://schemas.microsoft.com/office/drawing/2014/main" xmlns="" id="{9B5C7EB2-2E74-471A-8128-0973AEB8B1E4}"/>
+                <a16:creationId xmlns="" xmlns:a16="http://schemas.microsoft.com/office/drawing/2014/main" id="{9B5C7EB2-2E74-471A-8128-0973AEB8B1E4}"/>
               </a:ext>
             </a:extLst>
           </p:cNvPr>
@@ -2378,7 +2379,7 @@
           <p:cNvPr id="3" name="내용 개체 틀 2">
             <a:extLst>
               <a:ext uri="{FF2B5EF4-FFF2-40B4-BE49-F238E27FC236}">
-                <a16:creationId xmlns:a16="http://schemas.microsoft.com/office/drawing/2014/main" xmlns="" id="{F61231C8-419A-437F-A9CB-5BE23862F5AE}"/>
+                <a16:creationId xmlns="" xmlns:a16="http://schemas.microsoft.com/office/drawing/2014/main" id="{F61231C8-419A-437F-A9CB-5BE23862F5AE}"/>
               </a:ext>
             </a:extLst>
           </p:cNvPr>
@@ -2468,7 +2469,7 @@
           <p:cNvPr id="4" name="텍스트 개체 틀 3">
             <a:extLst>
               <a:ext uri="{FF2B5EF4-FFF2-40B4-BE49-F238E27FC236}">
-                <a16:creationId xmlns:a16="http://schemas.microsoft.com/office/drawing/2014/main" xmlns="" id="{70C2A4D0-F2D4-4B06-8376-498E5886CB0E}"/>
+                <a16:creationId xmlns="" xmlns:a16="http://schemas.microsoft.com/office/drawing/2014/main" id="{70C2A4D0-F2D4-4B06-8376-498E5886CB0E}"/>
               </a:ext>
             </a:extLst>
           </p:cNvPr>
@@ -2539,7 +2540,7 @@
           <p:cNvPr id="5" name="날짜 개체 틀 4">
             <a:extLst>
               <a:ext uri="{FF2B5EF4-FFF2-40B4-BE49-F238E27FC236}">
-                <a16:creationId xmlns:a16="http://schemas.microsoft.com/office/drawing/2014/main" xmlns="" id="{C45DDC63-3793-4D68-A13B-308F4BEEC04A}"/>
+                <a16:creationId xmlns="" xmlns:a16="http://schemas.microsoft.com/office/drawing/2014/main" id="{C45DDC63-3793-4D68-A13B-308F4BEEC04A}"/>
               </a:ext>
             </a:extLst>
           </p:cNvPr>
@@ -2568,7 +2569,7 @@
           <p:cNvPr id="6" name="바닥글 개체 틀 5">
             <a:extLst>
               <a:ext uri="{FF2B5EF4-FFF2-40B4-BE49-F238E27FC236}">
-                <a16:creationId xmlns:a16="http://schemas.microsoft.com/office/drawing/2014/main" xmlns="" id="{205A3976-27D1-402F-A156-03BB40C9A4B8}"/>
+                <a16:creationId xmlns="" xmlns:a16="http://schemas.microsoft.com/office/drawing/2014/main" id="{205A3976-27D1-402F-A156-03BB40C9A4B8}"/>
               </a:ext>
             </a:extLst>
           </p:cNvPr>
@@ -2593,7 +2594,7 @@
           <p:cNvPr id="7" name="슬라이드 번호 개체 틀 6">
             <a:extLst>
               <a:ext uri="{FF2B5EF4-FFF2-40B4-BE49-F238E27FC236}">
-                <a16:creationId xmlns:a16="http://schemas.microsoft.com/office/drawing/2014/main" xmlns="" id="{3876DCC2-CBB9-4F1D-AFBC-155C667782D1}"/>
+                <a16:creationId xmlns="" xmlns:a16="http://schemas.microsoft.com/office/drawing/2014/main" id="{3876DCC2-CBB9-4F1D-AFBC-155C667782D1}"/>
               </a:ext>
             </a:extLst>
           </p:cNvPr>
@@ -2652,7 +2653,7 @@
           <p:cNvPr id="2" name="제목 1">
             <a:extLst>
               <a:ext uri="{FF2B5EF4-FFF2-40B4-BE49-F238E27FC236}">
-                <a16:creationId xmlns:a16="http://schemas.microsoft.com/office/drawing/2014/main" xmlns="" id="{A263BFBC-7C0F-445E-9F33-6875130C6829}"/>
+                <a16:creationId xmlns="" xmlns:a16="http://schemas.microsoft.com/office/drawing/2014/main" id="{A263BFBC-7C0F-445E-9F33-6875130C6829}"/>
               </a:ext>
             </a:extLst>
           </p:cNvPr>
@@ -2689,7 +2690,7 @@
           <p:cNvPr id="3" name="그림 개체 틀 2">
             <a:extLst>
               <a:ext uri="{FF2B5EF4-FFF2-40B4-BE49-F238E27FC236}">
-                <a16:creationId xmlns:a16="http://schemas.microsoft.com/office/drawing/2014/main" xmlns="" id="{9D4F7E83-0C01-4148-A41D-2F3994E24E30}"/>
+                <a16:creationId xmlns="" xmlns:a16="http://schemas.microsoft.com/office/drawing/2014/main" id="{9D4F7E83-0C01-4148-A41D-2F3994E24E30}"/>
               </a:ext>
             </a:extLst>
           </p:cNvPr>
@@ -2756,7 +2757,7 @@
           <p:cNvPr id="4" name="텍스트 개체 틀 3">
             <a:extLst>
               <a:ext uri="{FF2B5EF4-FFF2-40B4-BE49-F238E27FC236}">
-                <a16:creationId xmlns:a16="http://schemas.microsoft.com/office/drawing/2014/main" xmlns="" id="{743981D1-01EC-4886-8524-78E2788F95F0}"/>
+                <a16:creationId xmlns="" xmlns:a16="http://schemas.microsoft.com/office/drawing/2014/main" id="{743981D1-01EC-4886-8524-78E2788F95F0}"/>
               </a:ext>
             </a:extLst>
           </p:cNvPr>
@@ -2827,7 +2828,7 @@
           <p:cNvPr id="5" name="날짜 개체 틀 4">
             <a:extLst>
               <a:ext uri="{FF2B5EF4-FFF2-40B4-BE49-F238E27FC236}">
-                <a16:creationId xmlns:a16="http://schemas.microsoft.com/office/drawing/2014/main" xmlns="" id="{E404B59D-D9DE-4BEB-9F3F-9DE5C8D55E94}"/>
+                <a16:creationId xmlns="" xmlns:a16="http://schemas.microsoft.com/office/drawing/2014/main" id="{E404B59D-D9DE-4BEB-9F3F-9DE5C8D55E94}"/>
               </a:ext>
             </a:extLst>
           </p:cNvPr>
@@ -2856,7 +2857,7 @@
           <p:cNvPr id="6" name="바닥글 개체 틀 5">
             <a:extLst>
               <a:ext uri="{FF2B5EF4-FFF2-40B4-BE49-F238E27FC236}">
-                <a16:creationId xmlns:a16="http://schemas.microsoft.com/office/drawing/2014/main" xmlns="" id="{9CCE8188-4543-49A6-A589-771A0576D62F}"/>
+                <a16:creationId xmlns="" xmlns:a16="http://schemas.microsoft.com/office/drawing/2014/main" id="{9CCE8188-4543-49A6-A589-771A0576D62F}"/>
               </a:ext>
             </a:extLst>
           </p:cNvPr>
@@ -2881,7 +2882,7 @@
           <p:cNvPr id="7" name="슬라이드 번호 개체 틀 6">
             <a:extLst>
               <a:ext uri="{FF2B5EF4-FFF2-40B4-BE49-F238E27FC236}">
-                <a16:creationId xmlns:a16="http://schemas.microsoft.com/office/drawing/2014/main" xmlns="" id="{F38BF9AF-C9BB-4280-B60C-B66BAF98DB48}"/>
+                <a16:creationId xmlns="" xmlns:a16="http://schemas.microsoft.com/office/drawing/2014/main" id="{F38BF9AF-C9BB-4280-B60C-B66BAF98DB48}"/>
               </a:ext>
             </a:extLst>
           </p:cNvPr>
@@ -2945,7 +2946,7 @@
           <p:cNvPr id="2" name="제목 개체 틀 1">
             <a:extLst>
               <a:ext uri="{FF2B5EF4-FFF2-40B4-BE49-F238E27FC236}">
-                <a16:creationId xmlns:a16="http://schemas.microsoft.com/office/drawing/2014/main" xmlns="" id="{618923CB-D088-4919-8432-07EC1B121D31}"/>
+                <a16:creationId xmlns="" xmlns:a16="http://schemas.microsoft.com/office/drawing/2014/main" id="{618923CB-D088-4919-8432-07EC1B121D31}"/>
               </a:ext>
             </a:extLst>
           </p:cNvPr>
@@ -2983,7 +2984,7 @@
           <p:cNvPr id="3" name="텍스트 개체 틀 2">
             <a:extLst>
               <a:ext uri="{FF2B5EF4-FFF2-40B4-BE49-F238E27FC236}">
-                <a16:creationId xmlns:a16="http://schemas.microsoft.com/office/drawing/2014/main" xmlns="" id="{B6B7FB04-7309-473D-9561-1B03DEE56556}"/>
+                <a16:creationId xmlns="" xmlns:a16="http://schemas.microsoft.com/office/drawing/2014/main" id="{B6B7FB04-7309-473D-9561-1B03DEE56556}"/>
               </a:ext>
             </a:extLst>
           </p:cNvPr>
@@ -3050,7 +3051,7 @@
           <p:cNvPr id="4" name="날짜 개체 틀 3">
             <a:extLst>
               <a:ext uri="{FF2B5EF4-FFF2-40B4-BE49-F238E27FC236}">
-                <a16:creationId xmlns:a16="http://schemas.microsoft.com/office/drawing/2014/main" xmlns="" id="{B7E910B4-8210-45B7-A45C-0EEB40E6BE84}"/>
+                <a16:creationId xmlns="" xmlns:a16="http://schemas.microsoft.com/office/drawing/2014/main" id="{B7E910B4-8210-45B7-A45C-0EEB40E6BE84}"/>
               </a:ext>
             </a:extLst>
           </p:cNvPr>
@@ -3097,7 +3098,7 @@
           <p:cNvPr id="5" name="바닥글 개체 틀 4">
             <a:extLst>
               <a:ext uri="{FF2B5EF4-FFF2-40B4-BE49-F238E27FC236}">
-                <a16:creationId xmlns:a16="http://schemas.microsoft.com/office/drawing/2014/main" xmlns="" id="{CE133439-F6CE-4AC6-B265-2BC5E41A2C9D}"/>
+                <a16:creationId xmlns="" xmlns:a16="http://schemas.microsoft.com/office/drawing/2014/main" id="{CE133439-F6CE-4AC6-B265-2BC5E41A2C9D}"/>
               </a:ext>
             </a:extLst>
           </p:cNvPr>
@@ -3140,7 +3141,7 @@
           <p:cNvPr id="6" name="슬라이드 번호 개체 틀 5">
             <a:extLst>
               <a:ext uri="{FF2B5EF4-FFF2-40B4-BE49-F238E27FC236}">
-                <a16:creationId xmlns:a16="http://schemas.microsoft.com/office/drawing/2014/main" xmlns="" id="{24B9C6C9-43FD-4C26-AD23-49F073F9BCB9}"/>
+                <a16:creationId xmlns="" xmlns:a16="http://schemas.microsoft.com/office/drawing/2014/main" id="{24B9C6C9-43FD-4C26-AD23-49F073F9BCB9}"/>
               </a:ext>
             </a:extLst>
           </p:cNvPr>
@@ -3508,7 +3509,7 @@
           <p:cNvPr id="5" name="직사각형 4">
             <a:extLst>
               <a:ext uri="{FF2B5EF4-FFF2-40B4-BE49-F238E27FC236}">
-                <a16:creationId xmlns:a16="http://schemas.microsoft.com/office/drawing/2014/main" xmlns="" id="{61327864-8D9F-4F6E-8BD4-B16031494555}"/>
+                <a16:creationId xmlns="" xmlns:a16="http://schemas.microsoft.com/office/drawing/2014/main" id="{61327864-8D9F-4F6E-8BD4-B16031494555}"/>
               </a:ext>
             </a:extLst>
           </p:cNvPr>
@@ -3561,7 +3562,7 @@
           <p:cNvPr id="6" name="TextBox 5">
             <a:extLst>
               <a:ext uri="{FF2B5EF4-FFF2-40B4-BE49-F238E27FC236}">
-                <a16:creationId xmlns:a16="http://schemas.microsoft.com/office/drawing/2014/main" xmlns="" id="{FBA63E27-3DA4-4D07-ADF8-40F8D792B257}"/>
+                <a16:creationId xmlns="" xmlns:a16="http://schemas.microsoft.com/office/drawing/2014/main" id="{FBA63E27-3DA4-4D07-ADF8-40F8D792B257}"/>
               </a:ext>
             </a:extLst>
           </p:cNvPr>
@@ -3668,6 +3669,314 @@
           <a:chExt cx="0" cy="0"/>
         </a:xfrm>
       </p:grpSpPr>
+      <p:sp>
+        <p:nvSpPr>
+          <p:cNvPr id="2" name="직사각형 1">
+            <a:extLst>
+              <a:ext uri="{FF2B5EF4-FFF2-40B4-BE49-F238E27FC236}">
+                <a16:creationId xmlns="" xmlns:a16="http://schemas.microsoft.com/office/drawing/2014/main" id="{5C616F42-3532-498B-92BC-75A88E083DB0}"/>
+              </a:ext>
+            </a:extLst>
+          </p:cNvPr>
+          <p:cNvSpPr/>
+          <p:nvPr/>
+        </p:nvSpPr>
+        <p:spPr>
+          <a:xfrm>
+            <a:off x="107343" y="429370"/>
+            <a:ext cx="3347499" cy="492981"/>
+          </a:xfrm>
+          <a:prstGeom prst="rect">
+            <a:avLst/>
+          </a:prstGeom>
+          <a:solidFill>
+            <a:srgbClr val="E7E7FF"/>
+          </a:solidFill>
+          <a:ln>
+            <a:noFill/>
+          </a:ln>
+        </p:spPr>
+        <p:style>
+          <a:lnRef idx="2">
+            <a:schemeClr val="accent1">
+              <a:shade val="50000"/>
+            </a:schemeClr>
+          </a:lnRef>
+          <a:fillRef idx="1">
+            <a:schemeClr val="accent1"/>
+          </a:fillRef>
+          <a:effectRef idx="0">
+            <a:schemeClr val="accent1"/>
+          </a:effectRef>
+          <a:fontRef idx="minor">
+            <a:schemeClr val="lt1"/>
+          </a:fontRef>
+        </p:style>
+        <p:txBody>
+          <a:bodyPr rtlCol="0" anchor="ctr"/>
+          <a:lstStyle/>
+          <a:p>
+            <a:pPr algn="ctr"/>
+            <a:endParaRPr lang="ko-KR" altLang="en-US"/>
+          </a:p>
+        </p:txBody>
+      </p:sp>
+      <p:sp>
+        <p:nvSpPr>
+          <p:cNvPr id="4" name="TextBox 3">
+            <a:extLst>
+              <a:ext uri="{FF2B5EF4-FFF2-40B4-BE49-F238E27FC236}">
+                <a16:creationId xmlns="" xmlns:a16="http://schemas.microsoft.com/office/drawing/2014/main" id="{648AE66B-CE9D-4A81-B2F0-56B3DEA9AA64}"/>
+              </a:ext>
+            </a:extLst>
+          </p:cNvPr>
+          <p:cNvSpPr txBox="1"/>
+          <p:nvPr/>
+        </p:nvSpPr>
+        <p:spPr>
+          <a:xfrm>
+            <a:off x="203200" y="203200"/>
+            <a:ext cx="11760200" cy="2862322"/>
+          </a:xfrm>
+          <a:prstGeom prst="rect">
+            <a:avLst/>
+          </a:prstGeom>
+          <a:noFill/>
+        </p:spPr>
+        <p:txBody>
+          <a:bodyPr wrap="square" rtlCol="0">
+            <a:spAutoFit/>
+          </a:bodyPr>
+          <a:lstStyle/>
+          <a:p>
+            <a:endParaRPr lang="en-US" altLang="ko-KR" dirty="0">
+              <a:latin typeface="나눔스퀘어 네오 Bold" panose="00000800000000000000" pitchFamily="2" charset="-127"/>
+              <a:ea typeface="나눔스퀘어 네오 Bold" panose="00000800000000000000" pitchFamily="2" charset="-127"/>
+            </a:endParaRPr>
+          </a:p>
+          <a:p>
+            <a:r>
+              <a:rPr lang="en-US" altLang="ko-KR" dirty="0">
+                <a:latin typeface="나눔스퀘어 네오 Bold" panose="00000800000000000000" pitchFamily="2" charset="-127"/>
+                <a:ea typeface="나눔스퀘어 네오 Bold" panose="00000800000000000000" pitchFamily="2" charset="-127"/>
+              </a:rPr>
+              <a:t>Half-Edge Data Structure</a:t>
+            </a:r>
+          </a:p>
+          <a:p>
+            <a:endParaRPr lang="en-US" altLang="ko-KR" dirty="0">
+              <a:latin typeface="나눔스퀘어 네오 Bold" panose="00000800000000000000" pitchFamily="2" charset="-127"/>
+              <a:ea typeface="나눔스퀘어 네오 Bold" panose="00000800000000000000" pitchFamily="2" charset="-127"/>
+            </a:endParaRPr>
+          </a:p>
+          <a:p>
+            <a:r>
+              <a:rPr lang="en-US" altLang="ko-KR" dirty="0" err="1">
+                <a:latin typeface="나눔스퀘어 네오 Bold" panose="00000800000000000000" pitchFamily="2" charset="-127"/>
+                <a:ea typeface="나눔스퀘어 네오 Bold" panose="00000800000000000000" pitchFamily="2" charset="-127"/>
+              </a:rPr>
+              <a:t>i</a:t>
+            </a:r>
+            <a:r>
+              <a:rPr lang="en-US" altLang="ko-KR" dirty="0">
+                <a:latin typeface="나눔스퀘어 네오 Bold" panose="00000800000000000000" pitchFamily="2" charset="-127"/>
+                <a:ea typeface="나눔스퀘어 네오 Bold" panose="00000800000000000000" pitchFamily="2" charset="-127"/>
+              </a:rPr>
+              <a:t>   : half-edge index</a:t>
+            </a:r>
+          </a:p>
+          <a:p>
+            <a:r>
+              <a:rPr lang="en-US" altLang="ko-KR" dirty="0">
+                <a:latin typeface="나눔스퀘어 네오 Bold" panose="00000800000000000000" pitchFamily="2" charset="-127"/>
+                <a:ea typeface="나눔스퀘어 네오 Bold" panose="00000800000000000000" pitchFamily="2" charset="-127"/>
+              </a:rPr>
+              <a:t>v  : </a:t>
+            </a:r>
+            <a:r>
+              <a:rPr lang="ko-KR" altLang="en-US" dirty="0">
+                <a:latin typeface="나눔스퀘어 네오 Bold" panose="00000800000000000000" pitchFamily="2" charset="-127"/>
+                <a:ea typeface="나눔스퀘어 네오 Bold" panose="00000800000000000000" pitchFamily="2" charset="-127"/>
+              </a:rPr>
+              <a:t>해당 </a:t>
+            </a:r>
+            <a:r>
+              <a:rPr lang="en-US" altLang="ko-KR" dirty="0">
+                <a:latin typeface="나눔스퀘어 네오 Bold" panose="00000800000000000000" pitchFamily="2" charset="-127"/>
+                <a:ea typeface="나눔스퀘어 네오 Bold" panose="00000800000000000000" pitchFamily="2" charset="-127"/>
+              </a:rPr>
+              <a:t>vertex</a:t>
+            </a:r>
+          </a:p>
+          <a:p>
+            <a:r>
+              <a:rPr lang="en-US" altLang="ko-KR" dirty="0">
+                <a:latin typeface="나눔스퀘어 네오 Bold" panose="00000800000000000000" pitchFamily="2" charset="-127"/>
+                <a:ea typeface="나눔스퀘어 네오 Bold" panose="00000800000000000000" pitchFamily="2" charset="-127"/>
+              </a:rPr>
+              <a:t>f   : half-edge </a:t>
+            </a:r>
+            <a:r>
+              <a:rPr lang="ko-KR" altLang="en-US" dirty="0">
+                <a:latin typeface="나눔스퀘어 네오 Bold" panose="00000800000000000000" pitchFamily="2" charset="-127"/>
+                <a:ea typeface="나눔스퀘어 네오 Bold" panose="00000800000000000000" pitchFamily="2" charset="-127"/>
+              </a:rPr>
+              <a:t>영역의 </a:t>
+            </a:r>
+            <a:r>
+              <a:rPr lang="en-US" altLang="ko-KR" dirty="0">
+                <a:latin typeface="나눔스퀘어 네오 Bold" panose="00000800000000000000" pitchFamily="2" charset="-127"/>
+                <a:ea typeface="나눔스퀘어 네오 Bold" panose="00000800000000000000" pitchFamily="2" charset="-127"/>
+              </a:rPr>
+              <a:t>face</a:t>
+            </a:r>
+          </a:p>
+          <a:p>
+            <a:r>
+              <a:rPr lang="en-US" altLang="ko-KR" dirty="0">
+                <a:latin typeface="나눔스퀘어 네오 Bold" panose="00000800000000000000" pitchFamily="2" charset="-127"/>
+                <a:ea typeface="나눔스퀘어 네오 Bold" panose="00000800000000000000" pitchFamily="2" charset="-127"/>
+              </a:rPr>
+              <a:t>next : next index</a:t>
+            </a:r>
+          </a:p>
+          <a:p>
+            <a:r>
+              <a:rPr lang="en-US" altLang="ko-KR" dirty="0" err="1">
+                <a:latin typeface="나눔스퀘어 네오 Bold" panose="00000800000000000000" pitchFamily="2" charset="-127"/>
+                <a:ea typeface="나눔스퀘어 네오 Bold" panose="00000800000000000000" pitchFamily="2" charset="-127"/>
+              </a:rPr>
+              <a:t>prev</a:t>
+            </a:r>
+            <a:r>
+              <a:rPr lang="en-US" altLang="ko-KR" dirty="0">
+                <a:latin typeface="나눔스퀘어 네오 Bold" panose="00000800000000000000" pitchFamily="2" charset="-127"/>
+                <a:ea typeface="나눔스퀘어 네오 Bold" panose="00000800000000000000" pitchFamily="2" charset="-127"/>
+              </a:rPr>
+              <a:t> : </a:t>
+            </a:r>
+            <a:r>
+              <a:rPr lang="en-US" altLang="ko-KR" dirty="0" err="1">
+                <a:latin typeface="나눔스퀘어 네오 Bold" panose="00000800000000000000" pitchFamily="2" charset="-127"/>
+                <a:ea typeface="나눔스퀘어 네오 Bold" panose="00000800000000000000" pitchFamily="2" charset="-127"/>
+              </a:rPr>
+              <a:t>prev</a:t>
+            </a:r>
+            <a:r>
+              <a:rPr lang="en-US" altLang="ko-KR" dirty="0">
+                <a:latin typeface="나눔스퀘어 네오 Bold" panose="00000800000000000000" pitchFamily="2" charset="-127"/>
+                <a:ea typeface="나눔스퀘어 네오 Bold" panose="00000800000000000000" pitchFamily="2" charset="-127"/>
+              </a:rPr>
+              <a:t> index</a:t>
+            </a:r>
+          </a:p>
+          <a:p>
+            <a:r>
+              <a:rPr lang="en-US" altLang="ko-KR" dirty="0">
+                <a:latin typeface="나눔스퀘어 네오 Bold" panose="00000800000000000000" pitchFamily="2" charset="-127"/>
+                <a:ea typeface="나눔스퀘어 네오 Bold" panose="00000800000000000000" pitchFamily="2" charset="-127"/>
+              </a:rPr>
+              <a:t>twin : twin index</a:t>
+            </a:r>
+          </a:p>
+          <a:p>
+            <a:endParaRPr lang="en-US" altLang="ko-KR" dirty="0">
+              <a:latin typeface="나눔스퀘어 네오 Bold" panose="00000800000000000000" pitchFamily="2" charset="-127"/>
+              <a:ea typeface="나눔스퀘어 네오 Bold" panose="00000800000000000000" pitchFamily="2" charset="-127"/>
+            </a:endParaRPr>
+          </a:p>
+        </p:txBody>
+      </p:sp>
+      <p:pic>
+        <p:nvPicPr>
+          <p:cNvPr id="6" name="그림 5">
+            <a:extLst>
+              <a:ext uri="{FF2B5EF4-FFF2-40B4-BE49-F238E27FC236}">
+                <a16:creationId xmlns="" xmlns:a16="http://schemas.microsoft.com/office/drawing/2014/main" id="{F0D3E6B2-DCD7-453A-802D-F6C537606085}"/>
+              </a:ext>
+            </a:extLst>
+          </p:cNvPr>
+          <p:cNvPicPr>
+            <a:picLocks noChangeAspect="1"/>
+          </p:cNvPicPr>
+          <p:nvPr/>
+        </p:nvPicPr>
+        <p:blipFill>
+          <a:blip r:embed="rId2"/>
+          <a:stretch>
+            <a:fillRect/>
+          </a:stretch>
+        </p:blipFill>
+        <p:spPr>
+          <a:xfrm>
+            <a:off x="5612668" y="793816"/>
+            <a:ext cx="3928898" cy="2104972"/>
+          </a:xfrm>
+          <a:prstGeom prst="rect">
+            <a:avLst/>
+          </a:prstGeom>
+        </p:spPr>
+      </p:pic>
+      <p:pic>
+        <p:nvPicPr>
+          <p:cNvPr id="10" name="그림 9">
+            <a:extLst>
+              <a:ext uri="{FF2B5EF4-FFF2-40B4-BE49-F238E27FC236}">
+                <a16:creationId xmlns="" xmlns:a16="http://schemas.microsoft.com/office/drawing/2014/main" id="{A19632DB-7356-4872-A656-3A0EA8733B80}"/>
+              </a:ext>
+            </a:extLst>
+          </p:cNvPr>
+          <p:cNvPicPr>
+            <a:picLocks noChangeAspect="1"/>
+          </p:cNvPicPr>
+          <p:nvPr/>
+        </p:nvPicPr>
+        <p:blipFill>
+          <a:blip r:embed="rId3"/>
+          <a:stretch>
+            <a:fillRect/>
+          </a:stretch>
+        </p:blipFill>
+        <p:spPr>
+          <a:xfrm>
+            <a:off x="2768641" y="3451774"/>
+            <a:ext cx="3568549" cy="2976856"/>
+          </a:xfrm>
+          <a:prstGeom prst="rect">
+            <a:avLst/>
+          </a:prstGeom>
+        </p:spPr>
+      </p:pic>
+    </p:spTree>
+    <p:extLst>
+      <p:ext uri="{BB962C8B-B14F-4D97-AF65-F5344CB8AC3E}">
+        <p14:creationId xmlns:p14="http://schemas.microsoft.com/office/powerpoint/2010/main" val="3629968441"/>
+      </p:ext>
+    </p:extLst>
+  </p:cSld>
+  <p:clrMapOvr>
+    <a:masterClrMapping/>
+  </p:clrMapOvr>
+</p:sld>
+</file>
+
+<file path=ppt/slides/slide11.xml><?xml version="1.0" encoding="utf-8"?>
+<p:sld xmlns:a="http://schemas.openxmlformats.org/drawingml/2006/main" xmlns:r="http://schemas.openxmlformats.org/officeDocument/2006/relationships" xmlns:p="http://schemas.openxmlformats.org/presentationml/2006/main">
+  <p:cSld>
+    <p:spTree>
+      <p:nvGrpSpPr>
+        <p:cNvPr id="1" name=""/>
+        <p:cNvGrpSpPr/>
+        <p:nvPr/>
+      </p:nvGrpSpPr>
+      <p:grpSpPr>
+        <a:xfrm>
+          <a:off x="0" y="0"/>
+          <a:ext cx="0" cy="0"/>
+          <a:chOff x="0" y="0"/>
+          <a:chExt cx="0" cy="0"/>
+        </a:xfrm>
+      </p:grpSpPr>
       <mc:AlternateContent xmlns:mc="http://schemas.openxmlformats.org/markup-compatibility/2006" xmlns:a14="http://schemas.microsoft.com/office/drawing/2010/main">
         <mc:Choice Requires="a14">
           <p:sp>
@@ -3675,7 +3984,7 @@
               <p:cNvPr id="4" name="TextBox 3">
                 <a:extLst>
                   <a:ext uri="{FF2B5EF4-FFF2-40B4-BE49-F238E27FC236}">
-                    <a16:creationId xmlns:a16="http://schemas.microsoft.com/office/drawing/2014/main" xmlns="" id="{648AE66B-CE9D-4A81-B2F0-56B3DEA9AA64}"/>
+                    <a16:creationId xmlns="" xmlns:a16="http://schemas.microsoft.com/office/drawing/2014/main" id="{648AE66B-CE9D-4A81-B2F0-56B3DEA9AA64}"/>
                   </a:ext>
                 </a:extLst>
               </p:cNvPr>
@@ -5053,7 +5362,7 @@
           <p:cNvPr id="3" name="그림 2">
             <a:extLst>
               <a:ext uri="{FF2B5EF4-FFF2-40B4-BE49-F238E27FC236}">
-                <a16:creationId xmlns:a16="http://schemas.microsoft.com/office/drawing/2014/main" xmlns="" id="{B044DA89-A0F4-4D15-AE25-1DF5823FB851}"/>
+                <a16:creationId xmlns="" xmlns:a16="http://schemas.microsoft.com/office/drawing/2014/main" id="{B044DA89-A0F4-4D15-AE25-1DF5823FB851}"/>
               </a:ext>
             </a:extLst>
           </p:cNvPr>
@@ -5119,7 +5428,7 @@
           <p:cNvPr id="4" name="그림 3">
             <a:extLst>
               <a:ext uri="{FF2B5EF4-FFF2-40B4-BE49-F238E27FC236}">
-                <a16:creationId xmlns:a16="http://schemas.microsoft.com/office/drawing/2014/main" xmlns="" id="{B044DA89-A0F4-4D15-AE25-1DF5823FB851}"/>
+                <a16:creationId xmlns="" xmlns:a16="http://schemas.microsoft.com/office/drawing/2014/main" id="{B044DA89-A0F4-4D15-AE25-1DF5823FB851}"/>
               </a:ext>
             </a:extLst>
           </p:cNvPr>
@@ -5155,7 +5464,7 @@
           <p:cNvPr id="3" name="TextBox 2">
             <a:extLst>
               <a:ext uri="{FF2B5EF4-FFF2-40B4-BE49-F238E27FC236}">
-                <a16:creationId xmlns:a16="http://schemas.microsoft.com/office/drawing/2014/main" xmlns="" xmlns:a14="http://schemas.microsoft.com/office/drawing/2010/main" xmlns:mc="http://schemas.openxmlformats.org/markup-compatibility/2006" id="{648AE66B-CE9D-4A81-B2F0-56B3DEA9AA64}"/>
+                <a16:creationId xmlns:mc="http://schemas.openxmlformats.org/markup-compatibility/2006" xmlns:a14="http://schemas.microsoft.com/office/drawing/2010/main" xmlns="" xmlns:a16="http://schemas.microsoft.com/office/drawing/2014/main" id="{648AE66B-CE9D-4A81-B2F0-56B3DEA9AA64}"/>
               </a:ext>
             </a:extLst>
           </p:cNvPr>
@@ -5197,7 +5506,7 @@
         <p:spPr>
           <a:xfrm>
             <a:off x="721895" y="884321"/>
-            <a:ext cx="7820526" cy="4764505"/>
+            <a:ext cx="10894594" cy="4764505"/>
           </a:xfrm>
           <a:prstGeom prst="rect">
             <a:avLst/>
@@ -5327,7 +5636,7 @@
         <p:spPr>
           <a:xfrm>
             <a:off x="721895" y="2039353"/>
-            <a:ext cx="7820526" cy="0"/>
+            <a:ext cx="10894594" cy="0"/>
           </a:xfrm>
           <a:prstGeom prst="line">
             <a:avLst/>
@@ -5361,8 +5670,8 @@
         </p:nvSpPr>
         <p:spPr>
           <a:xfrm>
-            <a:off x="721895" y="2228594"/>
-            <a:ext cx="7772400" cy="1477328"/>
+            <a:off x="721894" y="2228594"/>
+            <a:ext cx="10599821" cy="1477328"/>
           </a:xfrm>
           <a:prstGeom prst="rect">
             <a:avLst/>
@@ -5730,7 +6039,7 @@
         <p:spPr>
           <a:xfrm>
             <a:off x="721895" y="1157037"/>
-            <a:ext cx="7820526" cy="0"/>
+            <a:ext cx="10894594" cy="0"/>
           </a:xfrm>
           <a:prstGeom prst="line">
             <a:avLst/>
@@ -5764,7 +6073,7 @@
         </p:nvSpPr>
         <p:spPr>
           <a:xfrm>
-            <a:off x="3861274" y="848198"/>
+            <a:off x="5736220" y="848198"/>
             <a:ext cx="865943" cy="307777"/>
           </a:xfrm>
           <a:prstGeom prst="rect">
@@ -5826,7 +6135,7 @@
           <p:cNvPr id="4" name="그림 3">
             <a:extLst>
               <a:ext uri="{FF2B5EF4-FFF2-40B4-BE49-F238E27FC236}">
-                <a16:creationId xmlns:a16="http://schemas.microsoft.com/office/drawing/2014/main" xmlns="" id="{B044DA89-A0F4-4D15-AE25-1DF5823FB851}"/>
+                <a16:creationId xmlns="" xmlns:a16="http://schemas.microsoft.com/office/drawing/2014/main" id="{B044DA89-A0F4-4D15-AE25-1DF5823FB851}"/>
               </a:ext>
             </a:extLst>
           </p:cNvPr>
@@ -5862,7 +6171,7 @@
           <p:cNvPr id="3" name="TextBox 2">
             <a:extLst>
               <a:ext uri="{FF2B5EF4-FFF2-40B4-BE49-F238E27FC236}">
-                <a16:creationId xmlns:a16="http://schemas.microsoft.com/office/drawing/2014/main" xmlns="" xmlns:a14="http://schemas.microsoft.com/office/drawing/2010/main" xmlns:mc="http://schemas.openxmlformats.org/markup-compatibility/2006" id="{648AE66B-CE9D-4A81-B2F0-56B3DEA9AA64}"/>
+                <a16:creationId xmlns:mc="http://schemas.openxmlformats.org/markup-compatibility/2006" xmlns:a14="http://schemas.microsoft.com/office/drawing/2010/main" xmlns="" xmlns:a16="http://schemas.microsoft.com/office/drawing/2014/main" id="{648AE66B-CE9D-4A81-B2F0-56B3DEA9AA64}"/>
               </a:ext>
             </a:extLst>
           </p:cNvPr>
@@ -5903,8 +6212,8 @@
         </p:nvSpPr>
         <p:spPr>
           <a:xfrm>
-            <a:off x="721895" y="884321"/>
-            <a:ext cx="7820526" cy="5630779"/>
+            <a:off x="721894" y="884321"/>
+            <a:ext cx="10882563" cy="5630779"/>
           </a:xfrm>
           <a:prstGeom prst="rect">
             <a:avLst/>
@@ -6219,7 +6528,7 @@
         <p:spPr>
           <a:xfrm>
             <a:off x="721895" y="2779296"/>
-            <a:ext cx="7820526" cy="0"/>
+            <a:ext cx="10882563" cy="0"/>
           </a:xfrm>
           <a:prstGeom prst="line">
             <a:avLst/>
@@ -6254,7 +6563,7 @@
         <p:spPr>
           <a:xfrm>
             <a:off x="721895" y="2867375"/>
-            <a:ext cx="7772400" cy="3016210"/>
+            <a:ext cx="10617868" cy="3785652"/>
           </a:xfrm>
           <a:prstGeom prst="rect">
             <a:avLst/>
@@ -6961,42 +7270,289 @@
                 <a:latin typeface="나눔스퀘어 네오 Regular" panose="00000500000000000000" pitchFamily="2" charset="-127"/>
                 <a:ea typeface="나눔스퀘어 네오 Regular" panose="00000500000000000000" pitchFamily="2" charset="-127"/>
               </a:rPr>
-              <a:t>) : void /* Render */</a:t>
-            </a:r>
+              <a:t>) : </a:t>
+            </a:r>
+            <a:r>
+              <a:rPr lang="en-US" altLang="ko-KR" sz="1000" dirty="0" smtClean="0">
+                <a:latin typeface="나눔스퀘어 네오 Regular" panose="00000500000000000000" pitchFamily="2" charset="-127"/>
+                <a:ea typeface="나눔스퀘어 네오 Regular" panose="00000500000000000000" pitchFamily="2" charset="-127"/>
+              </a:rPr>
+              <a:t>line</a:t>
+            </a:r>
+            <a:r>
+              <a:rPr lang="en-US" altLang="ko-KR" sz="1000" dirty="0" smtClean="0">
+                <a:latin typeface="나눔스퀘어 네오 Regular" panose="00000500000000000000" pitchFamily="2" charset="-127"/>
+                <a:ea typeface="나눔스퀘어 네오 Regular" panose="00000500000000000000" pitchFamily="2" charset="-127"/>
+              </a:rPr>
+              <a:t> </a:t>
+            </a:r>
+            <a:r>
+              <a:rPr lang="en-US" altLang="ko-KR" sz="1000" dirty="0" smtClean="0">
+                <a:latin typeface="나눔스퀘어 네오 Regular" panose="00000500000000000000" pitchFamily="2" charset="-127"/>
+                <a:ea typeface="나눔스퀘어 네오 Regular" panose="00000500000000000000" pitchFamily="2" charset="-127"/>
+              </a:rPr>
+              <a:t>/* </a:t>
+            </a:r>
+            <a:r>
+              <a:rPr lang="en-US" altLang="ko-KR" sz="1000" dirty="0">
+                <a:latin typeface="나눔스퀘어 네오 Regular" panose="00000500000000000000" pitchFamily="2" charset="-127"/>
+                <a:ea typeface="나눔스퀘어 네오 Regular" panose="00000500000000000000" pitchFamily="2" charset="-127"/>
+              </a:rPr>
+              <a:t>Create a line from a starting to an end </a:t>
+            </a:r>
+            <a:r>
+              <a:rPr lang="en-US" altLang="ko-KR" sz="1000" dirty="0" smtClean="0">
+                <a:latin typeface="나눔스퀘어 네오 Regular" panose="00000500000000000000" pitchFamily="2" charset="-127"/>
+                <a:ea typeface="나눔스퀘어 네오 Regular" panose="00000500000000000000" pitchFamily="2" charset="-127"/>
+              </a:rPr>
+              <a:t>point</a:t>
+            </a:r>
+            <a:r>
+              <a:rPr lang="en-US" altLang="ko-KR" sz="1000" dirty="0" smtClean="0">
+                <a:latin typeface="나눔스퀘어 네오 Regular" panose="00000500000000000000" pitchFamily="2" charset="-127"/>
+                <a:ea typeface="나눔스퀘어 네오 Regular" panose="00000500000000000000" pitchFamily="2" charset="-127"/>
+              </a:rPr>
+              <a:t>. */</a:t>
+            </a:r>
+          </a:p>
+          <a:p>
+            <a:pPr marL="628650" lvl="1" indent="-171450">
+              <a:buFont typeface="Arial" panose="020B0604020202020204" pitchFamily="34" charset="0"/>
+              <a:buChar char="•"/>
+            </a:pPr>
+            <a:r>
+              <a:rPr lang="en-US" altLang="ko-KR" sz="1000" dirty="0">
+                <a:latin typeface="나눔스퀘어 네오 Regular" panose="00000500000000000000" pitchFamily="2" charset="-127"/>
+                <a:ea typeface="나눔스퀘어 네오 Regular" panose="00000500000000000000" pitchFamily="2" charset="-127"/>
+              </a:rPr>
+              <a:t>@</a:t>
+            </a:r>
+            <a:r>
+              <a:rPr lang="en-US" altLang="ko-KR" sz="1000" dirty="0" err="1">
+                <a:latin typeface="나눔스퀘어 네오 Regular" panose="00000500000000000000" pitchFamily="2" charset="-127"/>
+                <a:ea typeface="나눔스퀘어 네오 Regular" panose="00000500000000000000" pitchFamily="2" charset="-127"/>
+              </a:rPr>
+              <a:t>param</a:t>
+            </a:r>
+            <a:r>
+              <a:rPr lang="en-US" altLang="ko-KR" sz="1000" dirty="0">
+                <a:latin typeface="나눔스퀘어 네오 Regular" panose="00000500000000000000" pitchFamily="2" charset="-127"/>
+                <a:ea typeface="나눔스퀘어 네오 Regular" panose="00000500000000000000" pitchFamily="2" charset="-127"/>
+              </a:rPr>
+              <a:t>  {THREE.Vector3}   start         - Start point.</a:t>
+            </a:r>
+          </a:p>
+          <a:p>
+            <a:pPr marL="628650" lvl="1" indent="-171450">
+              <a:buFont typeface="Arial" panose="020B0604020202020204" pitchFamily="34" charset="0"/>
+              <a:buChar char="•"/>
+            </a:pPr>
+            <a:r>
+              <a:rPr lang="en-US" altLang="ko-KR" sz="1000" dirty="0" smtClean="0">
+                <a:latin typeface="나눔스퀘어 네오 Regular" panose="00000500000000000000" pitchFamily="2" charset="-127"/>
+                <a:ea typeface="나눔스퀘어 네오 Regular" panose="00000500000000000000" pitchFamily="2" charset="-127"/>
+              </a:rPr>
+              <a:t>@</a:t>
+            </a:r>
+            <a:r>
+              <a:rPr lang="en-US" altLang="ko-KR" sz="1000" dirty="0" err="1">
+                <a:latin typeface="나눔스퀘어 네오 Regular" panose="00000500000000000000" pitchFamily="2" charset="-127"/>
+                <a:ea typeface="나눔스퀘어 네오 Regular" panose="00000500000000000000" pitchFamily="2" charset="-127"/>
+              </a:rPr>
+              <a:t>param</a:t>
+            </a:r>
+            <a:r>
+              <a:rPr lang="en-US" altLang="ko-KR" sz="1000" dirty="0">
+                <a:latin typeface="나눔스퀘어 네오 Regular" panose="00000500000000000000" pitchFamily="2" charset="-127"/>
+                <a:ea typeface="나눔스퀘어 네오 Regular" panose="00000500000000000000" pitchFamily="2" charset="-127"/>
+              </a:rPr>
+              <a:t>  {THREE.Vector3}   end           - End point.</a:t>
+            </a:r>
+          </a:p>
+          <a:p>
+            <a:pPr marL="628650" lvl="1" indent="-171450">
+              <a:buFont typeface="Arial" panose="020B0604020202020204" pitchFamily="34" charset="0"/>
+              <a:buChar char="•"/>
+            </a:pPr>
+            <a:r>
+              <a:rPr lang="en-US" altLang="ko-KR" sz="1000" dirty="0" smtClean="0">
+                <a:latin typeface="나눔스퀘어 네오 Regular" panose="00000500000000000000" pitchFamily="2" charset="-127"/>
+                <a:ea typeface="나눔스퀘어 네오 Regular" panose="00000500000000000000" pitchFamily="2" charset="-127"/>
+              </a:rPr>
+              <a:t>@</a:t>
+            </a:r>
+            <a:r>
+              <a:rPr lang="en-US" altLang="ko-KR" sz="1000" dirty="0" err="1">
+                <a:latin typeface="나눔스퀘어 네오 Regular" panose="00000500000000000000" pitchFamily="2" charset="-127"/>
+                <a:ea typeface="나눔스퀘어 네오 Regular" panose="00000500000000000000" pitchFamily="2" charset="-127"/>
+              </a:rPr>
+              <a:t>param</a:t>
+            </a:r>
+            <a:r>
+              <a:rPr lang="en-US" altLang="ko-KR" sz="1000" dirty="0">
+                <a:latin typeface="나눔스퀘어 네오 Regular" panose="00000500000000000000" pitchFamily="2" charset="-127"/>
+                <a:ea typeface="나눔스퀘어 네오 Regular" panose="00000500000000000000" pitchFamily="2" charset="-127"/>
+              </a:rPr>
+              <a:t>  {number}          width         - Line width of the line.</a:t>
+            </a:r>
+          </a:p>
+          <a:p>
+            <a:pPr marL="628650" lvl="1" indent="-171450">
+              <a:buFont typeface="Arial" panose="020B0604020202020204" pitchFamily="34" charset="0"/>
+              <a:buChar char="•"/>
+            </a:pPr>
+            <a:r>
+              <a:rPr lang="en-US" altLang="ko-KR" sz="1000" dirty="0" smtClean="0">
+                <a:latin typeface="나눔스퀘어 네오 Regular" panose="00000500000000000000" pitchFamily="2" charset="-127"/>
+                <a:ea typeface="나눔스퀘어 네오 Regular" panose="00000500000000000000" pitchFamily="2" charset="-127"/>
+              </a:rPr>
+              <a:t>@</a:t>
+            </a:r>
+            <a:r>
+              <a:rPr lang="en-US" altLang="ko-KR" sz="1000" dirty="0" err="1">
+                <a:latin typeface="나눔스퀘어 네오 Regular" panose="00000500000000000000" pitchFamily="2" charset="-127"/>
+                <a:ea typeface="나눔스퀘어 네오 Regular" panose="00000500000000000000" pitchFamily="2" charset="-127"/>
+              </a:rPr>
+              <a:t>param</a:t>
+            </a:r>
+            <a:r>
+              <a:rPr lang="en-US" altLang="ko-KR" sz="1000" dirty="0">
+                <a:latin typeface="나눔스퀘어 네오 Regular" panose="00000500000000000000" pitchFamily="2" charset="-127"/>
+                <a:ea typeface="나눔스퀘어 네오 Regular" panose="00000500000000000000" pitchFamily="2" charset="-127"/>
+              </a:rPr>
+              <a:t>  {(</a:t>
+            </a:r>
+            <a:r>
+              <a:rPr lang="en-US" altLang="ko-KR" sz="1000" dirty="0" err="1">
+                <a:latin typeface="나눔스퀘어 네오 Regular" panose="00000500000000000000" pitchFamily="2" charset="-127"/>
+                <a:ea typeface="나눔스퀘어 네오 Regular" panose="00000500000000000000" pitchFamily="2" charset="-127"/>
+              </a:rPr>
+              <a:t>number|string</a:t>
+            </a:r>
+            <a:r>
+              <a:rPr lang="en-US" altLang="ko-KR" sz="1000" dirty="0">
+                <a:latin typeface="나눔스퀘어 네오 Regular" panose="00000500000000000000" pitchFamily="2" charset="-127"/>
+                <a:ea typeface="나눔스퀘어 네오 Regular" panose="00000500000000000000" pitchFamily="2" charset="-127"/>
+              </a:rPr>
+              <a:t>)} color         - Color of the line.</a:t>
+            </a:r>
+          </a:p>
+          <a:p>
+            <a:pPr marL="628650" lvl="1" indent="-171450">
+              <a:buFont typeface="Arial" panose="020B0604020202020204" pitchFamily="34" charset="0"/>
+              <a:buChar char="•"/>
+            </a:pPr>
+            <a:r>
+              <a:rPr lang="en-US" altLang="ko-KR" sz="1000" dirty="0" smtClean="0">
+                <a:latin typeface="나눔스퀘어 네오 Regular" panose="00000500000000000000" pitchFamily="2" charset="-127"/>
+                <a:ea typeface="나눔스퀘어 네오 Regular" panose="00000500000000000000" pitchFamily="2" charset="-127"/>
+              </a:rPr>
+              <a:t>@</a:t>
+            </a:r>
+            <a:r>
+              <a:rPr lang="en-US" altLang="ko-KR" sz="1000" dirty="0" err="1">
+                <a:latin typeface="나눔스퀘어 네오 Regular" panose="00000500000000000000" pitchFamily="2" charset="-127"/>
+                <a:ea typeface="나눔스퀘어 네오 Regular" panose="00000500000000000000" pitchFamily="2" charset="-127"/>
+              </a:rPr>
+              <a:t>param</a:t>
+            </a:r>
+            <a:r>
+              <a:rPr lang="en-US" altLang="ko-KR" sz="1000" dirty="0">
+                <a:latin typeface="나눔스퀘어 네오 Regular" panose="00000500000000000000" pitchFamily="2" charset="-127"/>
+                <a:ea typeface="나눔스퀘어 네오 Regular" panose="00000500000000000000" pitchFamily="2" charset="-127"/>
+              </a:rPr>
+              <a:t>  {</a:t>
+            </a:r>
+            <a:r>
+              <a:rPr lang="en-US" altLang="ko-KR" sz="1000" dirty="0" err="1">
+                <a:latin typeface="나눔스퀘어 네오 Regular" panose="00000500000000000000" pitchFamily="2" charset="-127"/>
+                <a:ea typeface="나눔스퀘어 네오 Regular" panose="00000500000000000000" pitchFamily="2" charset="-127"/>
+              </a:rPr>
+              <a:t>boolean</a:t>
+            </a:r>
+            <a:r>
+              <a:rPr lang="en-US" altLang="ko-KR" sz="1000" dirty="0">
+                <a:latin typeface="나눔스퀘어 네오 Regular" panose="00000500000000000000" pitchFamily="2" charset="-127"/>
+                <a:ea typeface="나눔스퀘어 네오 Regular" panose="00000500000000000000" pitchFamily="2" charset="-127"/>
+              </a:rPr>
+              <a:t>}         </a:t>
+            </a:r>
+            <a:r>
+              <a:rPr lang="en-US" altLang="ko-KR" sz="1000" dirty="0" err="1">
+                <a:latin typeface="나눔스퀘어 네오 Regular" panose="00000500000000000000" pitchFamily="2" charset="-127"/>
+                <a:ea typeface="나눔스퀘어 네오 Regular" panose="00000500000000000000" pitchFamily="2" charset="-127"/>
+              </a:rPr>
+              <a:t>moveWithModel</a:t>
+            </a:r>
+            <a:r>
+              <a:rPr lang="en-US" altLang="ko-KR" sz="1000" dirty="0">
+                <a:latin typeface="나눔스퀘어 네오 Regular" panose="00000500000000000000" pitchFamily="2" charset="-127"/>
+                <a:ea typeface="나눔스퀘어 네오 Regular" panose="00000500000000000000" pitchFamily="2" charset="-127"/>
+              </a:rPr>
+              <a:t> - If true, move the line to the position of the model.</a:t>
+            </a:r>
+          </a:p>
+          <a:p>
+            <a:pPr marL="628650" lvl="1" indent="-171450">
+              <a:buFont typeface="Arial" panose="020B0604020202020204" pitchFamily="34" charset="0"/>
+              <a:buChar char="•"/>
+            </a:pPr>
+            <a:r>
+              <a:rPr lang="en-US" altLang="ko-KR" sz="1000" dirty="0" smtClean="0">
+                <a:latin typeface="나눔스퀘어 네오 Regular" panose="00000500000000000000" pitchFamily="2" charset="-127"/>
+                <a:ea typeface="나눔스퀘어 네오 Regular" panose="00000500000000000000" pitchFamily="2" charset="-127"/>
+              </a:rPr>
+              <a:t>@</a:t>
+            </a:r>
+            <a:r>
+              <a:rPr lang="en-US" altLang="ko-KR" sz="1000" dirty="0">
+                <a:latin typeface="나눔스퀘어 네오 Regular" panose="00000500000000000000" pitchFamily="2" charset="-127"/>
+                <a:ea typeface="나눔스퀘어 네오 Regular" panose="00000500000000000000" pitchFamily="2" charset="-127"/>
+              </a:rPr>
+              <a:t>return {</a:t>
+            </a:r>
+            <a:r>
+              <a:rPr lang="en-US" altLang="ko-KR" sz="1000" dirty="0" err="1">
+                <a:latin typeface="나눔스퀘어 네오 Regular" panose="00000500000000000000" pitchFamily="2" charset="-127"/>
+                <a:ea typeface="나눔스퀘어 네오 Regular" panose="00000500000000000000" pitchFamily="2" charset="-127"/>
+              </a:rPr>
+              <a:t>THREE.Line</a:t>
+            </a:r>
+            <a:r>
+              <a:rPr lang="en-US" altLang="ko-KR" sz="1000" dirty="0">
+                <a:latin typeface="나눔스퀘어 네오 Regular" panose="00000500000000000000" pitchFamily="2" charset="-127"/>
+                <a:ea typeface="나눔스퀘어 네오 Regular" panose="00000500000000000000" pitchFamily="2" charset="-127"/>
+              </a:rPr>
+              <a:t>} A </a:t>
+            </a:r>
+            <a:r>
+              <a:rPr lang="en-US" altLang="ko-KR" sz="1000" dirty="0" err="1">
+                <a:latin typeface="나눔스퀘어 네오 Regular" panose="00000500000000000000" pitchFamily="2" charset="-127"/>
+                <a:ea typeface="나눔스퀘어 네오 Regular" panose="00000500000000000000" pitchFamily="2" charset="-127"/>
+              </a:rPr>
+              <a:t>THREE.Line</a:t>
+            </a:r>
+            <a:r>
+              <a:rPr lang="en-US" altLang="ko-KR" sz="1000" dirty="0">
+                <a:latin typeface="나눔스퀘어 네오 Regular" panose="00000500000000000000" pitchFamily="2" charset="-127"/>
+                <a:ea typeface="나눔스퀘어 네오 Regular" panose="00000500000000000000" pitchFamily="2" charset="-127"/>
+              </a:rPr>
+              <a:t> object</a:t>
+            </a:r>
+            <a:r>
+              <a:rPr lang="en-US" altLang="ko-KR" sz="1000" dirty="0" smtClean="0">
+                <a:latin typeface="나눔스퀘어 네오 Regular" panose="00000500000000000000" pitchFamily="2" charset="-127"/>
+                <a:ea typeface="나눔스퀘어 네오 Regular" panose="00000500000000000000" pitchFamily="2" charset="-127"/>
+              </a:rPr>
+              <a:t>.</a:t>
+            </a:r>
+            <a:endParaRPr lang="en-US" altLang="ko-KR" sz="1000" dirty="0"/>
           </a:p>
           <a:p>
             <a:pPr marL="171450" indent="-171450">
               <a:buFontTx/>
               <a:buChar char="-"/>
             </a:pPr>
-            <a:r>
-              <a:rPr lang="en-US" altLang="ko-KR" sz="1000" dirty="0">
-                <a:latin typeface="나눔스퀘어 네오 Regular" panose="00000500000000000000" pitchFamily="2" charset="-127"/>
-                <a:ea typeface="나눔스퀘어 네오 Regular" panose="00000500000000000000" pitchFamily="2" charset="-127"/>
-              </a:rPr>
-              <a:t>r</a:t>
-            </a:r>
-            <a:r>
-              <a:rPr lang="en-US" altLang="ko-KR" sz="1000" dirty="0" smtClean="0">
-                <a:latin typeface="나눔스퀘어 네오 Regular" panose="00000500000000000000" pitchFamily="2" charset="-127"/>
-                <a:ea typeface="나눔스퀘어 네오 Regular" panose="00000500000000000000" pitchFamily="2" charset="-127"/>
-              </a:rPr>
-              <a:t>esize() : void /* </a:t>
-            </a:r>
-            <a:r>
-              <a:rPr lang="en-US" altLang="ko-KR" sz="1000" dirty="0">
-                <a:latin typeface="나눔스퀘어 네오 Regular" panose="00000500000000000000" pitchFamily="2" charset="-127"/>
-                <a:ea typeface="나눔스퀘어 네오 Regular" panose="00000500000000000000" pitchFamily="2" charset="-127"/>
-              </a:rPr>
-              <a:t>Adjust camera and renderer to new window size</a:t>
-            </a:r>
-            <a:r>
-              <a:rPr lang="en-US" altLang="ko-KR" sz="1000" dirty="0" smtClean="0">
-                <a:latin typeface="나눔스퀘어 네오 Regular" panose="00000500000000000000" pitchFamily="2" charset="-127"/>
-                <a:ea typeface="나눔스퀘어 네오 Regular" panose="00000500000000000000" pitchFamily="2" charset="-127"/>
-              </a:rPr>
-              <a:t>. */</a:t>
-            </a:r>
             <a:endParaRPr lang="en-US" altLang="ko-KR" sz="1000" dirty="0">
               <a:latin typeface="나눔스퀘어 네오 Regular" panose="00000500000000000000" pitchFamily="2" charset="-127"/>
               <a:ea typeface="나눔스퀘어 네오 Regular" panose="00000500000000000000" pitchFamily="2" charset="-127"/>
@@ -7013,7 +7569,7 @@
         <p:spPr>
           <a:xfrm>
             <a:off x="721895" y="1157037"/>
-            <a:ext cx="7820526" cy="0"/>
+            <a:ext cx="10882563" cy="0"/>
           </a:xfrm>
           <a:prstGeom prst="line">
             <a:avLst/>
@@ -7047,8 +7603,8 @@
         </p:nvSpPr>
         <p:spPr>
           <a:xfrm>
-            <a:off x="3861274" y="848198"/>
-            <a:ext cx="1790875" cy="307777"/>
+            <a:off x="5372734" y="848198"/>
+            <a:ext cx="1580882" cy="307777"/>
           </a:xfrm>
           <a:prstGeom prst="rect">
             <a:avLst/>
@@ -7061,12 +7617,16 @@
           <a:lstStyle/>
           <a:p>
             <a:r>
-              <a:rPr lang="en-US" altLang="ko-KR" sz="1400" dirty="0">
+              <a:rPr lang="en-US" altLang="ko-KR" sz="1400" dirty="0" err="1" smtClean="0">
                 <a:latin typeface="나눔스퀘어 네오 Bold" panose="00000800000000000000" pitchFamily="2" charset="-127"/>
                 <a:ea typeface="나눔스퀘어 네오 Bold" panose="00000800000000000000" pitchFamily="2" charset="-127"/>
               </a:rPr>
-              <a:t>SceneManager.js</a:t>
-            </a:r>
+              <a:t>SceneManager</a:t>
+            </a:r>
+            <a:endParaRPr lang="en-US" altLang="ko-KR" sz="1400" dirty="0">
+              <a:latin typeface="나눔스퀘어 네오 Bold" panose="00000800000000000000" pitchFamily="2" charset="-127"/>
+              <a:ea typeface="나눔스퀘어 네오 Bold" panose="00000800000000000000" pitchFamily="2" charset="-127"/>
+            </a:endParaRPr>
           </a:p>
         </p:txBody>
       </p:sp>
@@ -7100,12 +7660,1076 @@
           <a:chExt cx="0" cy="0"/>
         </a:xfrm>
       </p:grpSpPr>
+      <p:pic>
+        <p:nvPicPr>
+          <p:cNvPr id="4" name="그림 3">
+            <a:extLst>
+              <a:ext uri="{FF2B5EF4-FFF2-40B4-BE49-F238E27FC236}">
+                <a16:creationId xmlns="" xmlns:a16="http://schemas.microsoft.com/office/drawing/2014/main" id="{B044DA89-A0F4-4D15-AE25-1DF5823FB851}"/>
+              </a:ext>
+            </a:extLst>
+          </p:cNvPr>
+          <p:cNvPicPr>
+            <a:picLocks noChangeAspect="1"/>
+          </p:cNvPicPr>
+          <p:nvPr/>
+        </p:nvPicPr>
+        <p:blipFill>
+          <a:blip r:embed="rId2" cstate="print">
+            <a:extLst>
+              <a:ext uri="{28A0092B-C50C-407E-A947-70E740481C1C}">
+                <a14:useLocalDpi xmlns:a14="http://schemas.microsoft.com/office/drawing/2010/main" val="0"/>
+              </a:ext>
+            </a:extLst>
+          </a:blip>
+          <a:stretch>
+            <a:fillRect/>
+          </a:stretch>
+        </p:blipFill>
+        <p:spPr>
+          <a:xfrm>
+            <a:off x="309655" y="91440"/>
+            <a:ext cx="497840" cy="497840"/>
+          </a:xfrm>
+          <a:prstGeom prst="rect">
+            <a:avLst/>
+          </a:prstGeom>
+        </p:spPr>
+      </p:pic>
+      <p:sp>
+        <p:nvSpPr>
+          <p:cNvPr id="3" name="TextBox 2">
+            <a:extLst>
+              <a:ext uri="{FF2B5EF4-FFF2-40B4-BE49-F238E27FC236}">
+                <a16:creationId xmlns:mc="http://schemas.openxmlformats.org/markup-compatibility/2006" xmlns:a14="http://schemas.microsoft.com/office/drawing/2010/main" xmlns="" xmlns:a16="http://schemas.microsoft.com/office/drawing/2014/main" id="{648AE66B-CE9D-4A81-B2F0-56B3DEA9AA64}"/>
+              </a:ext>
+            </a:extLst>
+          </p:cNvPr>
+          <p:cNvSpPr txBox="1"/>
+          <p:nvPr/>
+        </p:nvSpPr>
+        <p:spPr>
+          <a:xfrm>
+            <a:off x="908384" y="203200"/>
+            <a:ext cx="11055015" cy="369332"/>
+          </a:xfrm>
+          <a:prstGeom prst="rect">
+            <a:avLst/>
+          </a:prstGeom>
+          <a:noFill/>
+        </p:spPr>
+        <p:txBody>
+          <a:bodyPr wrap="square" rtlCol="0">
+            <a:spAutoFit/>
+          </a:bodyPr>
+          <a:lstStyle/>
+          <a:p>
+            <a:r>
+              <a:rPr lang="en-US" altLang="ko-KR" dirty="0" smtClean="0">
+                <a:latin typeface="나눔스퀘어 네오 Bold" panose="00000800000000000000" pitchFamily="2" charset="-127"/>
+                <a:ea typeface="나눔스퀘어 네오 Bold" panose="00000800000000000000" pitchFamily="2" charset="-127"/>
+              </a:rPr>
+              <a:t>SceneManager.js</a:t>
+            </a:r>
+          </a:p>
+        </p:txBody>
+      </p:sp>
+      <p:sp>
+        <p:nvSpPr>
+          <p:cNvPr id="2" name="직사각형 1"/>
+          <p:cNvSpPr/>
+          <p:nvPr/>
+        </p:nvSpPr>
+        <p:spPr>
+          <a:xfrm>
+            <a:off x="721894" y="884321"/>
+            <a:ext cx="10882563" cy="5630779"/>
+          </a:xfrm>
+          <a:prstGeom prst="rect">
+            <a:avLst/>
+          </a:prstGeom>
+          <a:noFill/>
+          <a:ln w="6350">
+            <a:solidFill>
+              <a:schemeClr val="tx1"/>
+            </a:solidFill>
+          </a:ln>
+        </p:spPr>
+        <p:style>
+          <a:lnRef idx="2">
+            <a:schemeClr val="accent1">
+              <a:shade val="50000"/>
+            </a:schemeClr>
+          </a:lnRef>
+          <a:fillRef idx="1">
+            <a:schemeClr val="accent1"/>
+          </a:fillRef>
+          <a:effectRef idx="0">
+            <a:schemeClr val="accent1"/>
+          </a:effectRef>
+          <a:fontRef idx="minor">
+            <a:schemeClr val="lt1"/>
+          </a:fontRef>
+        </p:style>
+        <p:txBody>
+          <a:bodyPr rtlCol="0" anchor="ctr"/>
+          <a:lstStyle/>
+          <a:p>
+            <a:pPr algn="ctr"/>
+            <a:endParaRPr lang="ko-KR" altLang="en-US"/>
+          </a:p>
+        </p:txBody>
+      </p:sp>
+      <p:sp>
+        <p:nvSpPr>
+          <p:cNvPr id="10" name="TextBox 9"/>
+          <p:cNvSpPr txBox="1"/>
+          <p:nvPr/>
+        </p:nvSpPr>
+        <p:spPr>
+          <a:xfrm>
+            <a:off x="721895" y="1291238"/>
+            <a:ext cx="10617868" cy="4555093"/>
+          </a:xfrm>
+          <a:prstGeom prst="rect">
+            <a:avLst/>
+          </a:prstGeom>
+          <a:noFill/>
+        </p:spPr>
+        <p:txBody>
+          <a:bodyPr wrap="square" rtlCol="0">
+            <a:spAutoFit/>
+          </a:bodyPr>
+          <a:lstStyle/>
+          <a:p>
+            <a:pPr marL="171450" indent="-171450">
+              <a:buFontTx/>
+              <a:buChar char="-"/>
+            </a:pPr>
+            <a:r>
+              <a:rPr lang="en-US" altLang="ko-KR" sz="1000" dirty="0" err="1">
+                <a:latin typeface="나눔스퀘어 네오 Regular" panose="00000500000000000000" pitchFamily="2" charset="-127"/>
+                <a:ea typeface="나눔스퀘어 네오 Regular" panose="00000500000000000000" pitchFamily="2" charset="-127"/>
+              </a:rPr>
+              <a:t>createPoint</a:t>
+            </a:r>
+            <a:r>
+              <a:rPr lang="en-US" altLang="ko-KR" sz="1000" dirty="0">
+                <a:latin typeface="나눔스퀘어 네오 Regular" panose="00000500000000000000" pitchFamily="2" charset="-127"/>
+                <a:ea typeface="나눔스퀘어 네오 Regular" panose="00000500000000000000" pitchFamily="2" charset="-127"/>
+              </a:rPr>
+              <a:t>( position, size, color, </a:t>
+            </a:r>
+            <a:r>
+              <a:rPr lang="en-US" altLang="ko-KR" sz="1000" dirty="0" err="1">
+                <a:latin typeface="나눔스퀘어 네오 Regular" panose="00000500000000000000" pitchFamily="2" charset="-127"/>
+                <a:ea typeface="나눔스퀘어 네오 Regular" panose="00000500000000000000" pitchFamily="2" charset="-127"/>
+              </a:rPr>
+              <a:t>moveWithModel</a:t>
+            </a:r>
+            <a:r>
+              <a:rPr lang="en-US" altLang="ko-KR" sz="1000" dirty="0">
+                <a:latin typeface="나눔스퀘어 네오 Regular" panose="00000500000000000000" pitchFamily="2" charset="-127"/>
+                <a:ea typeface="나눔스퀘어 네오 Regular" panose="00000500000000000000" pitchFamily="2" charset="-127"/>
+              </a:rPr>
+              <a:t> </a:t>
+            </a:r>
+            <a:r>
+              <a:rPr lang="en-US" altLang="ko-KR" sz="1000" dirty="0" smtClean="0">
+                <a:latin typeface="나눔스퀘어 네오 Regular" panose="00000500000000000000" pitchFamily="2" charset="-127"/>
+                <a:ea typeface="나눔스퀘어 네오 Regular" panose="00000500000000000000" pitchFamily="2" charset="-127"/>
+              </a:rPr>
+              <a:t>) </a:t>
+            </a:r>
+            <a:r>
+              <a:rPr lang="en-US" altLang="ko-KR" sz="1000" dirty="0">
+                <a:latin typeface="나눔스퀘어 네오 Regular" panose="00000500000000000000" pitchFamily="2" charset="-127"/>
+                <a:ea typeface="나눔스퀘어 네오 Regular" panose="00000500000000000000" pitchFamily="2" charset="-127"/>
+              </a:rPr>
+              <a:t>: </a:t>
+            </a:r>
+            <a:r>
+              <a:rPr lang="en-US" altLang="ko-KR" sz="1000" dirty="0" smtClean="0"/>
+              <a:t>mesh</a:t>
+            </a:r>
+            <a:r>
+              <a:rPr lang="en-US" altLang="ko-KR" sz="1000" dirty="0" smtClean="0">
+                <a:latin typeface="나눔스퀘어 네오 Regular" panose="00000500000000000000" pitchFamily="2" charset="-127"/>
+                <a:ea typeface="나눔스퀘어 네오 Regular" panose="00000500000000000000" pitchFamily="2" charset="-127"/>
+              </a:rPr>
+              <a:t> </a:t>
+            </a:r>
+            <a:r>
+              <a:rPr lang="en-US" altLang="ko-KR" sz="1000" dirty="0">
+                <a:latin typeface="나눔스퀘어 네오 Regular" panose="00000500000000000000" pitchFamily="2" charset="-127"/>
+                <a:ea typeface="나눔스퀘어 네오 Regular" panose="00000500000000000000" pitchFamily="2" charset="-127"/>
+              </a:rPr>
+              <a:t>/* </a:t>
+            </a:r>
+            <a:r>
+              <a:rPr lang="en-US" altLang="ko-KR" sz="1000" dirty="0"/>
+              <a:t>Create a sphere mesh</a:t>
+            </a:r>
+            <a:r>
+              <a:rPr lang="en-US" altLang="ko-KR" sz="1000" dirty="0" smtClean="0"/>
+              <a:t>. </a:t>
+            </a:r>
+            <a:r>
+              <a:rPr lang="en-US" altLang="ko-KR" sz="1000" dirty="0" smtClean="0">
+                <a:latin typeface="나눔스퀘어 네오 Regular" panose="00000500000000000000" pitchFamily="2" charset="-127"/>
+                <a:ea typeface="나눔스퀘어 네오 Regular" panose="00000500000000000000" pitchFamily="2" charset="-127"/>
+              </a:rPr>
+              <a:t>*/</a:t>
+            </a:r>
+          </a:p>
+          <a:p>
+            <a:pPr marL="628650" lvl="1" indent="-171450">
+              <a:buFont typeface="Arial" panose="020B0604020202020204" pitchFamily="34" charset="0"/>
+              <a:buChar char="•"/>
+            </a:pPr>
+            <a:r>
+              <a:rPr lang="en-US" altLang="ko-KR" sz="1000" dirty="0" smtClean="0">
+                <a:latin typeface="나눔스퀘어 네오 Regular" panose="00000500000000000000" pitchFamily="2" charset="-127"/>
+                <a:ea typeface="나눔스퀘어 네오 Regular" panose="00000500000000000000" pitchFamily="2" charset="-127"/>
+              </a:rPr>
+              <a:t>@</a:t>
+            </a:r>
+            <a:r>
+              <a:rPr lang="en-US" altLang="ko-KR" sz="1000" dirty="0" err="1">
+                <a:latin typeface="나눔스퀘어 네오 Regular" panose="00000500000000000000" pitchFamily="2" charset="-127"/>
+                <a:ea typeface="나눔스퀘어 네오 Regular" panose="00000500000000000000" pitchFamily="2" charset="-127"/>
+              </a:rPr>
+              <a:t>param</a:t>
+            </a:r>
+            <a:r>
+              <a:rPr lang="en-US" altLang="ko-KR" sz="1000" dirty="0">
+                <a:latin typeface="나눔스퀘어 네오 Regular" panose="00000500000000000000" pitchFamily="2" charset="-127"/>
+                <a:ea typeface="나눔스퀘어 네오 Regular" panose="00000500000000000000" pitchFamily="2" charset="-127"/>
+              </a:rPr>
+              <a:t>  {object}          position      - Position of the sphere.</a:t>
+            </a:r>
+          </a:p>
+          <a:p>
+            <a:pPr marL="628650" lvl="1" indent="-171450">
+              <a:buFont typeface="Arial" panose="020B0604020202020204" pitchFamily="34" charset="0"/>
+              <a:buChar char="•"/>
+            </a:pPr>
+            <a:r>
+              <a:rPr lang="en-US" altLang="ko-KR" sz="1000" dirty="0" smtClean="0">
+                <a:latin typeface="나눔스퀘어 네오 Regular" panose="00000500000000000000" pitchFamily="2" charset="-127"/>
+                <a:ea typeface="나눔스퀘어 네오 Regular" panose="00000500000000000000" pitchFamily="2" charset="-127"/>
+              </a:rPr>
+              <a:t>@</a:t>
+            </a:r>
+            <a:r>
+              <a:rPr lang="en-US" altLang="ko-KR" sz="1000" dirty="0" err="1">
+                <a:latin typeface="나눔스퀘어 네오 Regular" panose="00000500000000000000" pitchFamily="2" charset="-127"/>
+                <a:ea typeface="나눔스퀘어 네오 Regular" panose="00000500000000000000" pitchFamily="2" charset="-127"/>
+              </a:rPr>
+              <a:t>param</a:t>
+            </a:r>
+            <a:r>
+              <a:rPr lang="en-US" altLang="ko-KR" sz="1000" dirty="0">
+                <a:latin typeface="나눔스퀘어 네오 Regular" panose="00000500000000000000" pitchFamily="2" charset="-127"/>
+                <a:ea typeface="나눔스퀘어 네오 Regular" panose="00000500000000000000" pitchFamily="2" charset="-127"/>
+              </a:rPr>
+              <a:t>  {number}          size          - Radius of the sphere.</a:t>
+            </a:r>
+          </a:p>
+          <a:p>
+            <a:pPr marL="628650" lvl="1" indent="-171450">
+              <a:buFont typeface="Arial" panose="020B0604020202020204" pitchFamily="34" charset="0"/>
+              <a:buChar char="•"/>
+            </a:pPr>
+            <a:r>
+              <a:rPr lang="en-US" altLang="ko-KR" sz="1000" dirty="0">
+                <a:latin typeface="나눔스퀘어 네오 Regular" panose="00000500000000000000" pitchFamily="2" charset="-127"/>
+                <a:ea typeface="나눔스퀘어 네오 Regular" panose="00000500000000000000" pitchFamily="2" charset="-127"/>
+              </a:rPr>
+              <a:t>@</a:t>
+            </a:r>
+            <a:r>
+              <a:rPr lang="en-US" altLang="ko-KR" sz="1000" dirty="0" err="1">
+                <a:latin typeface="나눔스퀘어 네오 Regular" panose="00000500000000000000" pitchFamily="2" charset="-127"/>
+                <a:ea typeface="나눔스퀘어 네오 Regular" panose="00000500000000000000" pitchFamily="2" charset="-127"/>
+              </a:rPr>
+              <a:t>param</a:t>
+            </a:r>
+            <a:r>
+              <a:rPr lang="en-US" altLang="ko-KR" sz="1000" dirty="0">
+                <a:latin typeface="나눔스퀘어 네오 Regular" panose="00000500000000000000" pitchFamily="2" charset="-127"/>
+                <a:ea typeface="나눔스퀘어 네오 Regular" panose="00000500000000000000" pitchFamily="2" charset="-127"/>
+              </a:rPr>
+              <a:t>  {(</a:t>
+            </a:r>
+            <a:r>
+              <a:rPr lang="en-US" altLang="ko-KR" sz="1000" dirty="0" err="1">
+                <a:latin typeface="나눔스퀘어 네오 Regular" panose="00000500000000000000" pitchFamily="2" charset="-127"/>
+                <a:ea typeface="나눔스퀘어 네오 Regular" panose="00000500000000000000" pitchFamily="2" charset="-127"/>
+              </a:rPr>
+              <a:t>number|string</a:t>
+            </a:r>
+            <a:r>
+              <a:rPr lang="en-US" altLang="ko-KR" sz="1000" dirty="0">
+                <a:latin typeface="나눔스퀘어 네오 Regular" panose="00000500000000000000" pitchFamily="2" charset="-127"/>
+                <a:ea typeface="나눔스퀘어 네오 Regular" panose="00000500000000000000" pitchFamily="2" charset="-127"/>
+              </a:rPr>
+              <a:t>)} color         - Color of the sphere.</a:t>
+            </a:r>
+          </a:p>
+          <a:p>
+            <a:pPr marL="628650" lvl="1" indent="-171450">
+              <a:buFont typeface="Arial" panose="020B0604020202020204" pitchFamily="34" charset="0"/>
+              <a:buChar char="•"/>
+            </a:pPr>
+            <a:r>
+              <a:rPr lang="en-US" altLang="ko-KR" sz="1000" dirty="0">
+                <a:latin typeface="나눔스퀘어 네오 Regular" panose="00000500000000000000" pitchFamily="2" charset="-127"/>
+                <a:ea typeface="나눔스퀘어 네오 Regular" panose="00000500000000000000" pitchFamily="2" charset="-127"/>
+              </a:rPr>
+              <a:t>@</a:t>
+            </a:r>
+            <a:r>
+              <a:rPr lang="en-US" altLang="ko-KR" sz="1000" dirty="0" err="1">
+                <a:latin typeface="나눔스퀘어 네오 Regular" panose="00000500000000000000" pitchFamily="2" charset="-127"/>
+                <a:ea typeface="나눔스퀘어 네오 Regular" panose="00000500000000000000" pitchFamily="2" charset="-127"/>
+              </a:rPr>
+              <a:t>param</a:t>
+            </a:r>
+            <a:r>
+              <a:rPr lang="en-US" altLang="ko-KR" sz="1000" dirty="0">
+                <a:latin typeface="나눔스퀘어 네오 Regular" panose="00000500000000000000" pitchFamily="2" charset="-127"/>
+                <a:ea typeface="나눔스퀘어 네오 Regular" panose="00000500000000000000" pitchFamily="2" charset="-127"/>
+              </a:rPr>
+              <a:t>  {</a:t>
+            </a:r>
+            <a:r>
+              <a:rPr lang="en-US" altLang="ko-KR" sz="1000" dirty="0" err="1">
+                <a:latin typeface="나눔스퀘어 네오 Regular" panose="00000500000000000000" pitchFamily="2" charset="-127"/>
+                <a:ea typeface="나눔스퀘어 네오 Regular" panose="00000500000000000000" pitchFamily="2" charset="-127"/>
+              </a:rPr>
+              <a:t>boolean</a:t>
+            </a:r>
+            <a:r>
+              <a:rPr lang="en-US" altLang="ko-KR" sz="1000" dirty="0">
+                <a:latin typeface="나눔스퀘어 네오 Regular" panose="00000500000000000000" pitchFamily="2" charset="-127"/>
+                <a:ea typeface="나눔스퀘어 네오 Regular" panose="00000500000000000000" pitchFamily="2" charset="-127"/>
+              </a:rPr>
+              <a:t>}         </a:t>
+            </a:r>
+            <a:r>
+              <a:rPr lang="en-US" altLang="ko-KR" sz="1000" dirty="0" err="1">
+                <a:latin typeface="나눔스퀘어 네오 Regular" panose="00000500000000000000" pitchFamily="2" charset="-127"/>
+                <a:ea typeface="나눔스퀘어 네오 Regular" panose="00000500000000000000" pitchFamily="2" charset="-127"/>
+              </a:rPr>
+              <a:t>moveWithModel</a:t>
+            </a:r>
+            <a:r>
+              <a:rPr lang="en-US" altLang="ko-KR" sz="1000" dirty="0">
+                <a:latin typeface="나눔스퀘어 네오 Regular" panose="00000500000000000000" pitchFamily="2" charset="-127"/>
+                <a:ea typeface="나눔스퀘어 네오 Regular" panose="00000500000000000000" pitchFamily="2" charset="-127"/>
+              </a:rPr>
+              <a:t> - If true, move the point to the position of the model.</a:t>
+            </a:r>
+          </a:p>
+          <a:p>
+            <a:pPr marL="628650" lvl="1" indent="-171450">
+              <a:buFont typeface="Arial" panose="020B0604020202020204" pitchFamily="34" charset="0"/>
+              <a:buChar char="•"/>
+            </a:pPr>
+            <a:r>
+              <a:rPr lang="en-US" altLang="ko-KR" sz="1000" dirty="0">
+                <a:latin typeface="나눔스퀘어 네오 Regular" panose="00000500000000000000" pitchFamily="2" charset="-127"/>
+                <a:ea typeface="나눔스퀘어 네오 Regular" panose="00000500000000000000" pitchFamily="2" charset="-127"/>
+              </a:rPr>
+              <a:t>@return {</a:t>
+            </a:r>
+            <a:r>
+              <a:rPr lang="en-US" altLang="ko-KR" sz="1000" dirty="0" err="1">
+                <a:latin typeface="나눔스퀘어 네오 Regular" panose="00000500000000000000" pitchFamily="2" charset="-127"/>
+                <a:ea typeface="나눔스퀘어 네오 Regular" panose="00000500000000000000" pitchFamily="2" charset="-127"/>
+              </a:rPr>
+              <a:t>THREE.Mesh</a:t>
+            </a:r>
+            <a:r>
+              <a:rPr lang="en-US" altLang="ko-KR" sz="1000" dirty="0" smtClean="0">
+                <a:latin typeface="나눔스퀘어 네오 Regular" panose="00000500000000000000" pitchFamily="2" charset="-127"/>
+                <a:ea typeface="나눔스퀘어 네오 Regular" panose="00000500000000000000" pitchFamily="2" charset="-127"/>
+              </a:rPr>
+              <a:t>}</a:t>
+            </a:r>
+            <a:endParaRPr lang="en-US" altLang="ko-KR" sz="1000" dirty="0">
+              <a:latin typeface="나눔스퀘어 네오 Regular" panose="00000500000000000000" pitchFamily="2" charset="-127"/>
+              <a:ea typeface="나눔스퀘어 네오 Regular" panose="00000500000000000000" pitchFamily="2" charset="-127"/>
+            </a:endParaRPr>
+          </a:p>
+          <a:p>
+            <a:pPr marL="171450" indent="-171450">
+              <a:buFontTx/>
+              <a:buChar char="-"/>
+            </a:pPr>
+            <a:r>
+              <a:rPr lang="en-US" altLang="ko-KR" sz="1000" dirty="0" err="1"/>
+              <a:t>exportModel</a:t>
+            </a:r>
+            <a:r>
+              <a:rPr lang="en-US" altLang="ko-KR" sz="1000" dirty="0"/>
+              <a:t>( format, </a:t>
+            </a:r>
+            <a:r>
+              <a:rPr lang="en-US" altLang="ko-KR" sz="1000" dirty="0" err="1"/>
+              <a:t>modelName</a:t>
+            </a:r>
+            <a:r>
+              <a:rPr lang="en-US" altLang="ko-KR" sz="1000" dirty="0"/>
+              <a:t> </a:t>
+            </a:r>
+            <a:r>
+              <a:rPr lang="en-US" altLang="ko-KR" sz="1000" dirty="0" smtClean="0"/>
+              <a:t>) </a:t>
+            </a:r>
+            <a:r>
+              <a:rPr lang="en-US" altLang="ko-KR" sz="1000" dirty="0" smtClean="0">
+                <a:latin typeface="나눔스퀘어 네오 Regular" panose="00000500000000000000" pitchFamily="2" charset="-127"/>
+                <a:ea typeface="나눔스퀘어 네오 Regular" panose="00000500000000000000" pitchFamily="2" charset="-127"/>
+              </a:rPr>
+              <a:t>: </a:t>
+            </a:r>
+            <a:r>
+              <a:rPr lang="en-US" altLang="ko-KR" sz="1000" dirty="0"/>
+              <a:t>mesh</a:t>
+            </a:r>
+            <a:r>
+              <a:rPr lang="en-US" altLang="ko-KR" sz="1000" dirty="0">
+                <a:latin typeface="나눔스퀘어 네오 Regular" panose="00000500000000000000" pitchFamily="2" charset="-127"/>
+                <a:ea typeface="나눔스퀘어 네오 Regular" panose="00000500000000000000" pitchFamily="2" charset="-127"/>
+              </a:rPr>
+              <a:t> /* </a:t>
+            </a:r>
+            <a:r>
+              <a:rPr lang="en-US" altLang="ko-KR" sz="1000" dirty="0"/>
+              <a:t>Export the model</a:t>
+            </a:r>
+            <a:r>
+              <a:rPr lang="en-US" altLang="ko-KR" sz="1000" dirty="0" smtClean="0"/>
+              <a:t>. </a:t>
+            </a:r>
+            <a:r>
+              <a:rPr lang="en-US" altLang="ko-KR" sz="1000" dirty="0">
+                <a:latin typeface="나눔스퀘어 네오 Regular" panose="00000500000000000000" pitchFamily="2" charset="-127"/>
+                <a:ea typeface="나눔스퀘어 네오 Regular" panose="00000500000000000000" pitchFamily="2" charset="-127"/>
+              </a:rPr>
+              <a:t>*/</a:t>
+            </a:r>
+          </a:p>
+          <a:p>
+            <a:pPr marL="628650" lvl="1" indent="-171450">
+              <a:buFont typeface="Arial" panose="020B0604020202020204" pitchFamily="34" charset="0"/>
+              <a:buChar char="•"/>
+            </a:pPr>
+            <a:r>
+              <a:rPr lang="en-US" altLang="ko-KR" sz="1000" dirty="0">
+                <a:latin typeface="나눔스퀘어 네오 Regular" panose="00000500000000000000" pitchFamily="2" charset="-127"/>
+                <a:ea typeface="나눔스퀘어 네오 Regular" panose="00000500000000000000" pitchFamily="2" charset="-127"/>
+              </a:rPr>
+              <a:t>@</a:t>
+            </a:r>
+            <a:r>
+              <a:rPr lang="en-US" altLang="ko-KR" sz="1000" dirty="0" err="1">
+                <a:latin typeface="나눔스퀘어 네오 Regular" panose="00000500000000000000" pitchFamily="2" charset="-127"/>
+                <a:ea typeface="나눔스퀘어 네오 Regular" panose="00000500000000000000" pitchFamily="2" charset="-127"/>
+              </a:rPr>
+              <a:t>param</a:t>
+            </a:r>
+            <a:r>
+              <a:rPr lang="en-US" altLang="ko-KR" sz="1000" dirty="0">
+                <a:latin typeface="나눔스퀘어 네오 Regular" panose="00000500000000000000" pitchFamily="2" charset="-127"/>
+                <a:ea typeface="나눔스퀘어 네오 Regular" panose="00000500000000000000" pitchFamily="2" charset="-127"/>
+              </a:rPr>
+              <a:t>  {string}  format     - Name of the format to use.</a:t>
+            </a:r>
+          </a:p>
+          <a:p>
+            <a:pPr marL="628650" lvl="1" indent="-171450">
+              <a:buFont typeface="Arial" panose="020B0604020202020204" pitchFamily="34" charset="0"/>
+              <a:buChar char="•"/>
+            </a:pPr>
+            <a:r>
+              <a:rPr lang="en-US" altLang="ko-KR" sz="1000" dirty="0">
+                <a:latin typeface="나눔스퀘어 네오 Regular" panose="00000500000000000000" pitchFamily="2" charset="-127"/>
+                <a:ea typeface="나눔스퀘어 네오 Regular" panose="00000500000000000000" pitchFamily="2" charset="-127"/>
+              </a:rPr>
+              <a:t>@</a:t>
+            </a:r>
+            <a:r>
+              <a:rPr lang="en-US" altLang="ko-KR" sz="1000" dirty="0" err="1">
+                <a:latin typeface="나눔스퀘어 네오 Regular" panose="00000500000000000000" pitchFamily="2" charset="-127"/>
+                <a:ea typeface="나눔스퀘어 네오 Regular" panose="00000500000000000000" pitchFamily="2" charset="-127"/>
+              </a:rPr>
+              <a:t>param</a:t>
+            </a:r>
+            <a:r>
+              <a:rPr lang="en-US" altLang="ko-KR" sz="1000" dirty="0">
+                <a:latin typeface="나눔스퀘어 네오 Regular" panose="00000500000000000000" pitchFamily="2" charset="-127"/>
+                <a:ea typeface="나눔스퀘어 네오 Regular" panose="00000500000000000000" pitchFamily="2" charset="-127"/>
+              </a:rPr>
+              <a:t>  {?string} </a:t>
+            </a:r>
+            <a:r>
+              <a:rPr lang="en-US" altLang="ko-KR" sz="1000" dirty="0" err="1">
+                <a:latin typeface="나눔스퀘어 네오 Regular" panose="00000500000000000000" pitchFamily="2" charset="-127"/>
+                <a:ea typeface="나눔스퀘어 네오 Regular" panose="00000500000000000000" pitchFamily="2" charset="-127"/>
+              </a:rPr>
+              <a:t>modelName</a:t>
+            </a:r>
+            <a:r>
+              <a:rPr lang="en-US" altLang="ko-KR" sz="1000" dirty="0">
+                <a:latin typeface="나눔스퀘어 네오 Regular" panose="00000500000000000000" pitchFamily="2" charset="-127"/>
+                <a:ea typeface="나눔스퀘어 네오 Regular" panose="00000500000000000000" pitchFamily="2" charset="-127"/>
+              </a:rPr>
+              <a:t> - Name for the model.</a:t>
+            </a:r>
+          </a:p>
+          <a:p>
+            <a:pPr marL="628650" lvl="1" indent="-171450">
+              <a:buFont typeface="Arial" panose="020B0604020202020204" pitchFamily="34" charset="0"/>
+              <a:buChar char="•"/>
+            </a:pPr>
+            <a:r>
+              <a:rPr lang="en-US" altLang="ko-KR" sz="1000" dirty="0">
+                <a:latin typeface="나눔스퀘어 네오 Regular" panose="00000500000000000000" pitchFamily="2" charset="-127"/>
+                <a:ea typeface="나눔스퀘어 네오 Regular" panose="00000500000000000000" pitchFamily="2" charset="-127"/>
+              </a:rPr>
+              <a:t>@return {string} Exported model data</a:t>
+            </a:r>
+            <a:r>
+              <a:rPr lang="en-US" altLang="ko-KR" sz="1000" dirty="0" smtClean="0">
+                <a:latin typeface="나눔스퀘어 네오 Regular" panose="00000500000000000000" pitchFamily="2" charset="-127"/>
+                <a:ea typeface="나눔스퀘어 네오 Regular" panose="00000500000000000000" pitchFamily="2" charset="-127"/>
+              </a:rPr>
+              <a:t>.</a:t>
+            </a:r>
+            <a:endParaRPr lang="en-US" altLang="ko-KR" sz="1000" dirty="0">
+              <a:latin typeface="나눔스퀘어 네오 Regular" panose="00000500000000000000" pitchFamily="2" charset="-127"/>
+              <a:ea typeface="나눔스퀘어 네오 Regular" panose="00000500000000000000" pitchFamily="2" charset="-127"/>
+            </a:endParaRPr>
+          </a:p>
+          <a:p>
+            <a:pPr marL="171450" indent="-171450">
+              <a:buFontTx/>
+              <a:buChar char="-"/>
+            </a:pPr>
+            <a:r>
+              <a:rPr lang="en-US" altLang="ko-KR" sz="1000" dirty="0" err="1"/>
+              <a:t>fillHole</a:t>
+            </a:r>
+            <a:r>
+              <a:rPr lang="en-US" altLang="ko-KR" sz="1000" dirty="0"/>
+              <a:t>( </a:t>
+            </a:r>
+            <a:r>
+              <a:rPr lang="en-US" altLang="ko-KR" sz="1000" dirty="0" err="1"/>
+              <a:t>ev</a:t>
+            </a:r>
+            <a:r>
+              <a:rPr lang="en-US" altLang="ko-KR" sz="1000" dirty="0"/>
+              <a:t> </a:t>
+            </a:r>
+            <a:r>
+              <a:rPr lang="en-US" altLang="ko-KR" sz="1000" dirty="0" smtClean="0"/>
+              <a:t>) : void /* Start </a:t>
+            </a:r>
+            <a:r>
+              <a:rPr lang="en-US" altLang="ko-KR" sz="1000" dirty="0"/>
+              <a:t>the hole filling</a:t>
+            </a:r>
+            <a:r>
+              <a:rPr lang="en-US" altLang="ko-KR" sz="1000" dirty="0" smtClean="0"/>
+              <a:t>. */</a:t>
+            </a:r>
+            <a:endParaRPr lang="en-US" altLang="ko-KR" sz="1000" dirty="0"/>
+          </a:p>
+          <a:p>
+            <a:pPr marL="628650" lvl="1" indent="-171450">
+              <a:buFont typeface="Arial" panose="020B0604020202020204" pitchFamily="34" charset="0"/>
+              <a:buChar char="•"/>
+            </a:pPr>
+            <a:r>
+              <a:rPr lang="en-US" altLang="ko-KR" sz="1000" dirty="0" smtClean="0">
+                <a:latin typeface="나눔스퀘어 네오 Regular" panose="00000500000000000000" pitchFamily="2" charset="-127"/>
+                <a:ea typeface="나눔스퀘어 네오 Regular" panose="00000500000000000000" pitchFamily="2" charset="-127"/>
+              </a:rPr>
+              <a:t>@</a:t>
+            </a:r>
+            <a:r>
+              <a:rPr lang="en-US" altLang="ko-KR" sz="1000" dirty="0" err="1">
+                <a:latin typeface="나눔스퀘어 네오 Regular" panose="00000500000000000000" pitchFamily="2" charset="-127"/>
+                <a:ea typeface="나눔스퀘어 네오 Regular" panose="00000500000000000000" pitchFamily="2" charset="-127"/>
+              </a:rPr>
+              <a:t>param</a:t>
+            </a:r>
+            <a:r>
+              <a:rPr lang="en-US" altLang="ko-KR" sz="1000" dirty="0">
+                <a:latin typeface="나눔스퀘어 네오 Regular" panose="00000500000000000000" pitchFamily="2" charset="-127"/>
+                <a:ea typeface="나눔스퀘어 네오 Regular" panose="00000500000000000000" pitchFamily="2" charset="-127"/>
+              </a:rPr>
+              <a:t>  </a:t>
+            </a:r>
+            <a:r>
+              <a:rPr lang="en-US" altLang="ko-KR" sz="1000" dirty="0" smtClean="0">
+                <a:latin typeface="나눔스퀘어 네오 Regular" panose="00000500000000000000" pitchFamily="2" charset="-127"/>
+                <a:ea typeface="나눔스퀘어 네오 Regular" panose="00000500000000000000" pitchFamily="2" charset="-127"/>
+              </a:rPr>
+              <a:t>{Event} </a:t>
+            </a:r>
+            <a:r>
+              <a:rPr lang="en-US" altLang="ko-KR" sz="1000" dirty="0" err="1" smtClean="0">
+                <a:latin typeface="나눔스퀘어 네오 Regular" panose="00000500000000000000" pitchFamily="2" charset="-127"/>
+                <a:ea typeface="나눔스퀘어 네오 Regular" panose="00000500000000000000" pitchFamily="2" charset="-127"/>
+              </a:rPr>
+              <a:t>ev</a:t>
+            </a:r>
+            <a:endParaRPr lang="en-US" altLang="ko-KR" sz="1000" dirty="0" smtClean="0">
+              <a:latin typeface="나눔스퀘어 네오 Regular" panose="00000500000000000000" pitchFamily="2" charset="-127"/>
+              <a:ea typeface="나눔스퀘어 네오 Regular" panose="00000500000000000000" pitchFamily="2" charset="-127"/>
+            </a:endParaRPr>
+          </a:p>
+          <a:p>
+            <a:pPr marL="171450" indent="-171450">
+              <a:buFontTx/>
+              <a:buChar char="-"/>
+            </a:pPr>
+            <a:r>
+              <a:rPr lang="en-US" altLang="ko-KR" sz="1000" dirty="0" err="1" smtClean="0"/>
+              <a:t>findHoles</a:t>
+            </a:r>
+            <a:r>
+              <a:rPr lang="en-US" altLang="ko-KR" sz="1000" dirty="0" smtClean="0"/>
+              <a:t>( ) : void /* </a:t>
+            </a:r>
+            <a:r>
+              <a:rPr lang="en-US" altLang="ko-KR" sz="1000" dirty="0"/>
+              <a:t>Show the border edges of the model</a:t>
+            </a:r>
+            <a:r>
+              <a:rPr lang="en-US" altLang="ko-KR" sz="1000" dirty="0" smtClean="0"/>
+              <a:t>. */</a:t>
+            </a:r>
+          </a:p>
+          <a:p>
+            <a:pPr marL="628650" lvl="1" indent="-171450">
+              <a:buFont typeface="Arial" panose="020B0604020202020204" pitchFamily="34" charset="0"/>
+              <a:buChar char="•"/>
+            </a:pPr>
+            <a:r>
+              <a:rPr lang="en-US" altLang="ko-KR" sz="1000" dirty="0" smtClean="0">
+                <a:latin typeface="나눔스퀘어 네오 Regular" panose="00000500000000000000" pitchFamily="2" charset="-127"/>
+                <a:ea typeface="나눔스퀘어 네오 Regular" panose="00000500000000000000" pitchFamily="2" charset="-127"/>
+              </a:rPr>
+              <a:t>@</a:t>
+            </a:r>
+            <a:r>
+              <a:rPr lang="en-US" altLang="ko-KR" sz="1000" dirty="0" err="1">
+                <a:latin typeface="나눔스퀘어 네오 Regular" panose="00000500000000000000" pitchFamily="2" charset="-127"/>
+                <a:ea typeface="나눔스퀘어 네오 Regular" panose="00000500000000000000" pitchFamily="2" charset="-127"/>
+              </a:rPr>
+              <a:t>param</a:t>
+            </a:r>
+            <a:r>
+              <a:rPr lang="en-US" altLang="ko-KR" sz="1000" dirty="0">
+                <a:latin typeface="나눔스퀘어 네오 Regular" panose="00000500000000000000" pitchFamily="2" charset="-127"/>
+                <a:ea typeface="나눔스퀘어 네오 Regular" panose="00000500000000000000" pitchFamily="2" charset="-127"/>
+              </a:rPr>
+              <a:t>  {Event} </a:t>
+            </a:r>
+            <a:r>
+              <a:rPr lang="en-US" altLang="ko-KR" sz="1000" dirty="0" err="1" smtClean="0">
+                <a:latin typeface="나눔스퀘어 네오 Regular" panose="00000500000000000000" pitchFamily="2" charset="-127"/>
+                <a:ea typeface="나눔스퀘어 네오 Regular" panose="00000500000000000000" pitchFamily="2" charset="-127"/>
+              </a:rPr>
+              <a:t>ev</a:t>
+            </a:r>
+            <a:endParaRPr lang="en-US" altLang="ko-KR" sz="1000" dirty="0" smtClean="0">
+              <a:latin typeface="나눔스퀘어 네오 Regular" panose="00000500000000000000" pitchFamily="2" charset="-127"/>
+              <a:ea typeface="나눔스퀘어 네오 Regular" panose="00000500000000000000" pitchFamily="2" charset="-127"/>
+            </a:endParaRPr>
+          </a:p>
+          <a:p>
+            <a:pPr marL="171450" indent="-171450">
+              <a:buFontTx/>
+              <a:buChar char="-"/>
+            </a:pPr>
+            <a:r>
+              <a:rPr lang="en-US" altLang="ko-KR" sz="1000" dirty="0" err="1" smtClean="0"/>
+              <a:t>fitCameraToModel</a:t>
+            </a:r>
+            <a:r>
+              <a:rPr lang="en-US" altLang="ko-KR" sz="1000" dirty="0" smtClean="0"/>
+              <a:t>( ) </a:t>
+            </a:r>
+            <a:r>
+              <a:rPr lang="en-US" altLang="ko-KR" sz="1000" dirty="0"/>
+              <a:t>: void /* </a:t>
+            </a:r>
+            <a:r>
+              <a:rPr lang="en-US" altLang="ko-KR" sz="1000" dirty="0"/>
+              <a:t>Fit the camera position to the model size</a:t>
+            </a:r>
+            <a:r>
+              <a:rPr lang="en-US" altLang="ko-KR" sz="1000" dirty="0" smtClean="0"/>
+              <a:t>. </a:t>
+            </a:r>
+            <a:r>
+              <a:rPr lang="en-US" altLang="ko-KR" sz="1000" dirty="0"/>
+              <a:t>*/</a:t>
+            </a:r>
+          </a:p>
+          <a:p>
+            <a:pPr marL="171450" indent="-171450">
+              <a:buFontTx/>
+              <a:buChar char="-"/>
+            </a:pPr>
+            <a:r>
+              <a:rPr lang="en-US" altLang="ko-KR" sz="1000" dirty="0" err="1" smtClean="0"/>
+              <a:t>focusHole</a:t>
+            </a:r>
+            <a:r>
+              <a:rPr lang="en-US" altLang="ko-KR" sz="1000" dirty="0" smtClean="0"/>
+              <a:t>( index </a:t>
+            </a:r>
+            <a:r>
+              <a:rPr lang="en-US" altLang="ko-KR" sz="1000" dirty="0"/>
+              <a:t>) : void /* </a:t>
+            </a:r>
+            <a:r>
+              <a:rPr lang="en-US" altLang="ko-KR" sz="1000" dirty="0"/>
+              <a:t>Focus on the found hole</a:t>
+            </a:r>
+            <a:r>
+              <a:rPr lang="en-US" altLang="ko-KR" sz="1000" dirty="0" smtClean="0"/>
+              <a:t>. */</a:t>
+            </a:r>
+            <a:endParaRPr lang="en-US" altLang="ko-KR" sz="1000" dirty="0"/>
+          </a:p>
+          <a:p>
+            <a:pPr marL="628650" lvl="1" indent="-171450">
+              <a:buFont typeface="Arial" panose="020B0604020202020204" pitchFamily="34" charset="0"/>
+              <a:buChar char="•"/>
+            </a:pPr>
+            <a:r>
+              <a:rPr lang="en-US" altLang="ko-KR" sz="1000" dirty="0" smtClean="0"/>
+              <a:t>@</a:t>
+            </a:r>
+            <a:r>
+              <a:rPr lang="en-US" altLang="ko-KR" sz="1000" dirty="0" err="1"/>
+              <a:t>param</a:t>
+            </a:r>
+            <a:r>
+              <a:rPr lang="en-US" altLang="ko-KR" sz="1000" dirty="0"/>
+              <a:t> {number} index - Index of the found hole</a:t>
+            </a:r>
+          </a:p>
+          <a:p>
+            <a:pPr marL="171450" indent="-171450">
+              <a:buFontTx/>
+              <a:buChar char="-"/>
+            </a:pPr>
+            <a:r>
+              <a:rPr lang="en-US" altLang="ko-KR" sz="1000" dirty="0" err="1" smtClean="0"/>
+              <a:t>geometryToMesh</a:t>
+            </a:r>
+            <a:r>
+              <a:rPr lang="en-US" altLang="ko-KR" sz="1000" dirty="0" smtClean="0"/>
+              <a:t>( geometry </a:t>
+            </a:r>
+            <a:r>
+              <a:rPr lang="en-US" altLang="ko-KR" sz="1000" dirty="0"/>
+              <a:t>) : </a:t>
+            </a:r>
+            <a:r>
+              <a:rPr lang="en-US" altLang="ko-KR" sz="1000" dirty="0" smtClean="0"/>
+              <a:t>mesh </a:t>
+            </a:r>
+            <a:r>
+              <a:rPr lang="en-US" altLang="ko-KR" sz="1000" dirty="0"/>
+              <a:t>/* </a:t>
+            </a:r>
+            <a:r>
+              <a:rPr lang="en-US" altLang="ko-KR" sz="1000" dirty="0"/>
+              <a:t>Prepare the model as mesh</a:t>
+            </a:r>
+            <a:r>
+              <a:rPr lang="en-US" altLang="ko-KR" sz="1000" dirty="0" smtClean="0"/>
+              <a:t>. </a:t>
+            </a:r>
+            <a:r>
+              <a:rPr lang="en-US" altLang="ko-KR" sz="1000" dirty="0"/>
+              <a:t>*/</a:t>
+            </a:r>
+          </a:p>
+          <a:p>
+            <a:pPr marL="628650" lvl="1" indent="-171450">
+              <a:buFont typeface="Arial" panose="020B0604020202020204" pitchFamily="34" charset="0"/>
+              <a:buChar char="•"/>
+            </a:pPr>
+            <a:r>
+              <a:rPr lang="en-US" altLang="ko-KR" sz="1000" dirty="0" smtClean="0"/>
+              <a:t>@</a:t>
+            </a:r>
+            <a:r>
+              <a:rPr lang="en-US" altLang="ko-KR" sz="1000" dirty="0" err="1"/>
+              <a:t>param</a:t>
+            </a:r>
+            <a:r>
+              <a:rPr lang="en-US" altLang="ko-KR" sz="1000" dirty="0"/>
+              <a:t>  {</a:t>
+            </a:r>
+            <a:r>
+              <a:rPr lang="en-US" altLang="ko-KR" sz="1000" dirty="0" err="1"/>
+              <a:t>THREE.Geometry</a:t>
+            </a:r>
+            <a:r>
+              <a:rPr lang="en-US" altLang="ko-KR" sz="1000" dirty="0"/>
+              <a:t>} geometry - Geometry of the model.</a:t>
+            </a:r>
+          </a:p>
+          <a:p>
+            <a:pPr marL="628650" lvl="1" indent="-171450">
+              <a:buFont typeface="Arial" panose="020B0604020202020204" pitchFamily="34" charset="0"/>
+              <a:buChar char="•"/>
+            </a:pPr>
+            <a:r>
+              <a:rPr lang="en-US" altLang="ko-KR" sz="1000" dirty="0" smtClean="0"/>
+              <a:t>@</a:t>
+            </a:r>
+            <a:r>
+              <a:rPr lang="en-US" altLang="ko-KR" sz="1000" dirty="0"/>
+              <a:t>return {</a:t>
+            </a:r>
+            <a:r>
+              <a:rPr lang="en-US" altLang="ko-KR" sz="1000" dirty="0" err="1"/>
+              <a:t>THREE.Mesh</a:t>
+            </a:r>
+            <a:r>
+              <a:rPr lang="en-US" altLang="ko-KR" sz="1000" dirty="0"/>
+              <a:t>} Model as mesh</a:t>
+            </a:r>
+            <a:r>
+              <a:rPr lang="en-US" altLang="ko-KR" sz="1000" dirty="0" smtClean="0"/>
+              <a:t>.</a:t>
+            </a:r>
+          </a:p>
+          <a:p>
+            <a:pPr marL="171450" indent="-171450">
+              <a:buFontTx/>
+              <a:buChar char="-"/>
+            </a:pPr>
+            <a:r>
+              <a:rPr lang="en-US" altLang="ko-KR" sz="1000" dirty="0" err="1"/>
+              <a:t>geometryToMesh</a:t>
+            </a:r>
+            <a:r>
+              <a:rPr lang="en-US" altLang="ko-KR" sz="1000" dirty="0"/>
+              <a:t>( geometry ) : mesh /* Prepare the model as mesh. */</a:t>
+            </a:r>
+          </a:p>
+          <a:p>
+            <a:pPr marL="628650" lvl="1" indent="-171450">
+              <a:buFont typeface="Arial" panose="020B0604020202020204" pitchFamily="34" charset="0"/>
+              <a:buChar char="•"/>
+            </a:pPr>
+            <a:r>
+              <a:rPr lang="en-US" altLang="ko-KR" sz="1000" dirty="0"/>
+              <a:t>@</a:t>
+            </a:r>
+            <a:r>
+              <a:rPr lang="en-US" altLang="ko-KR" sz="1000" dirty="0" err="1"/>
+              <a:t>param</a:t>
+            </a:r>
+            <a:r>
+              <a:rPr lang="en-US" altLang="ko-KR" sz="1000" dirty="0"/>
+              <a:t>  {</a:t>
+            </a:r>
+            <a:r>
+              <a:rPr lang="en-US" altLang="ko-KR" sz="1000" dirty="0" err="1"/>
+              <a:t>THREE.Geometry</a:t>
+            </a:r>
+            <a:r>
+              <a:rPr lang="en-US" altLang="ko-KR" sz="1000" dirty="0"/>
+              <a:t>} geometry - Geometry of the model.</a:t>
+            </a:r>
+          </a:p>
+          <a:p>
+            <a:pPr marL="628650" lvl="1" indent="-171450">
+              <a:buFont typeface="Arial" panose="020B0604020202020204" pitchFamily="34" charset="0"/>
+              <a:buChar char="•"/>
+            </a:pPr>
+            <a:r>
+              <a:rPr lang="en-US" altLang="ko-KR" sz="1000" dirty="0"/>
+              <a:t>@return {</a:t>
+            </a:r>
+            <a:r>
+              <a:rPr lang="en-US" altLang="ko-KR" sz="1000" dirty="0" err="1"/>
+              <a:t>THREE.Mesh</a:t>
+            </a:r>
+            <a:r>
+              <a:rPr lang="en-US" altLang="ko-KR" sz="1000" dirty="0"/>
+              <a:t>} Model as mesh.</a:t>
+            </a:r>
+          </a:p>
+          <a:p>
+            <a:pPr marL="628650" lvl="1" indent="-171450">
+              <a:buFont typeface="Arial" panose="020B0604020202020204" pitchFamily="34" charset="0"/>
+              <a:buChar char="•"/>
+            </a:pPr>
+            <a:endParaRPr lang="en-US" altLang="ko-KR" sz="1000" dirty="0"/>
+          </a:p>
+          <a:p>
+            <a:pPr marL="628650" lvl="1" indent="-171450">
+              <a:buFont typeface="Arial" panose="020B0604020202020204" pitchFamily="34" charset="0"/>
+              <a:buChar char="•"/>
+            </a:pPr>
+            <a:endParaRPr lang="en-US" altLang="ko-KR" sz="1000" dirty="0" smtClean="0"/>
+          </a:p>
+          <a:p>
+            <a:pPr marL="628650" lvl="1" indent="-171450">
+              <a:buFont typeface="Arial" panose="020B0604020202020204" pitchFamily="34" charset="0"/>
+              <a:buChar char="•"/>
+            </a:pPr>
+            <a:endParaRPr lang="en-US" altLang="ko-KR" sz="1000" dirty="0" smtClean="0"/>
+          </a:p>
+          <a:p>
+            <a:pPr lvl="1"/>
+            <a:endParaRPr lang="en-US" altLang="ko-KR" sz="1000" dirty="0" smtClean="0">
+              <a:latin typeface="나눔스퀘어 네오 Regular" panose="00000500000000000000" pitchFamily="2" charset="-127"/>
+              <a:ea typeface="나눔스퀘어 네오 Regular" panose="00000500000000000000" pitchFamily="2" charset="-127"/>
+            </a:endParaRPr>
+          </a:p>
+          <a:p>
+            <a:pPr lvl="1"/>
+            <a:endParaRPr lang="en-US" altLang="ko-KR" sz="1000" dirty="0">
+              <a:latin typeface="나눔스퀘어 네오 Regular" panose="00000500000000000000" pitchFamily="2" charset="-127"/>
+              <a:ea typeface="나눔스퀘어 네오 Regular" panose="00000500000000000000" pitchFamily="2" charset="-127"/>
+            </a:endParaRPr>
+          </a:p>
+          <a:p>
+            <a:pPr marL="628650" lvl="1" indent="-171450">
+              <a:buFont typeface="Arial" panose="020B0604020202020204" pitchFamily="34" charset="0"/>
+              <a:buChar char="•"/>
+            </a:pPr>
+            <a:endParaRPr lang="en-US" altLang="ko-KR" sz="1000" dirty="0">
+              <a:latin typeface="나눔스퀘어 네오 Regular" panose="00000500000000000000" pitchFamily="2" charset="-127"/>
+              <a:ea typeface="나눔스퀘어 네오 Regular" panose="00000500000000000000" pitchFamily="2" charset="-127"/>
+            </a:endParaRPr>
+          </a:p>
+        </p:txBody>
+      </p:sp>
+      <p:cxnSp>
+        <p:nvCxnSpPr>
+          <p:cNvPr id="11" name="직선 연결선 10"/>
+          <p:cNvCxnSpPr/>
+          <p:nvPr/>
+        </p:nvCxnSpPr>
+        <p:spPr>
+          <a:xfrm>
+            <a:off x="721895" y="1157037"/>
+            <a:ext cx="10882563" cy="0"/>
+          </a:xfrm>
+          <a:prstGeom prst="line">
+            <a:avLst/>
+          </a:prstGeom>
+          <a:ln>
+            <a:solidFill>
+              <a:schemeClr val="tx1"/>
+            </a:solidFill>
+          </a:ln>
+        </p:spPr>
+        <p:style>
+          <a:lnRef idx="1">
+            <a:schemeClr val="accent1"/>
+          </a:lnRef>
+          <a:fillRef idx="0">
+            <a:schemeClr val="accent1"/>
+          </a:fillRef>
+          <a:effectRef idx="0">
+            <a:schemeClr val="accent1"/>
+          </a:effectRef>
+          <a:fontRef idx="minor">
+            <a:schemeClr val="tx1"/>
+          </a:fontRef>
+        </p:style>
+      </p:cxnSp>
+      <p:sp>
+        <p:nvSpPr>
+          <p:cNvPr id="14" name="직사각형 13"/>
+          <p:cNvSpPr/>
+          <p:nvPr/>
+        </p:nvSpPr>
+        <p:spPr>
+          <a:xfrm>
+            <a:off x="5240388" y="848198"/>
+            <a:ext cx="1580882" cy="307777"/>
+          </a:xfrm>
+          <a:prstGeom prst="rect">
+            <a:avLst/>
+          </a:prstGeom>
+        </p:spPr>
+        <p:txBody>
+          <a:bodyPr wrap="none">
+            <a:spAutoFit/>
+          </a:bodyPr>
+          <a:lstStyle/>
+          <a:p>
+            <a:r>
+              <a:rPr lang="en-US" altLang="ko-KR" sz="1400" dirty="0" err="1" smtClean="0">
+                <a:latin typeface="나눔스퀘어 네오 Bold" panose="00000800000000000000" pitchFamily="2" charset="-127"/>
+                <a:ea typeface="나눔스퀘어 네오 Bold" panose="00000800000000000000" pitchFamily="2" charset="-127"/>
+              </a:rPr>
+              <a:t>SceneManager</a:t>
+            </a:r>
+            <a:endParaRPr lang="en-US" altLang="ko-KR" sz="1400" dirty="0">
+              <a:latin typeface="나눔스퀘어 네오 Bold" panose="00000800000000000000" pitchFamily="2" charset="-127"/>
+              <a:ea typeface="나눔스퀘어 네오 Bold" panose="00000800000000000000" pitchFamily="2" charset="-127"/>
+            </a:endParaRPr>
+          </a:p>
+        </p:txBody>
+      </p:sp>
+    </p:spTree>
+    <p:extLst>
+      <p:ext uri="{BB962C8B-B14F-4D97-AF65-F5344CB8AC3E}">
+        <p14:creationId xmlns:p14="http://schemas.microsoft.com/office/powerpoint/2010/main" val="2894180670"/>
+      </p:ext>
+    </p:extLst>
+  </p:cSld>
+  <p:clrMapOvr>
+    <a:masterClrMapping/>
+  </p:clrMapOvr>
+</p:sld>
+</file>
+
+<file path=ppt/slides/slide5.xml><?xml version="1.0" encoding="utf-8"?>
+<p:sld xmlns:a="http://schemas.openxmlformats.org/drawingml/2006/main" xmlns:r="http://schemas.openxmlformats.org/officeDocument/2006/relationships" xmlns:p="http://schemas.openxmlformats.org/presentationml/2006/main">
+  <p:cSld>
+    <p:spTree>
+      <p:nvGrpSpPr>
+        <p:cNvPr id="1" name=""/>
+        <p:cNvGrpSpPr/>
+        <p:nvPr/>
+      </p:nvGrpSpPr>
+      <p:grpSpPr>
+        <a:xfrm>
+          <a:off x="0" y="0"/>
+          <a:ext cx="0" cy="0"/>
+          <a:chOff x="0" y="0"/>
+          <a:chExt cx="0" cy="0"/>
+        </a:xfrm>
+      </p:grpSpPr>
       <p:sp>
         <p:nvSpPr>
           <p:cNvPr id="4" name="직사각형 3">
             <a:extLst>
               <a:ext uri="{FF2B5EF4-FFF2-40B4-BE49-F238E27FC236}">
-                <a16:creationId xmlns:a16="http://schemas.microsoft.com/office/drawing/2014/main" xmlns="" id="{61327864-8D9F-4F6E-8BD4-B16031494555}"/>
+                <a16:creationId xmlns="" xmlns:a16="http://schemas.microsoft.com/office/drawing/2014/main" id="{61327864-8D9F-4F6E-8BD4-B16031494555}"/>
               </a:ext>
             </a:extLst>
           </p:cNvPr>
@@ -7158,7 +8782,7 @@
           <p:cNvPr id="5" name="TextBox 4">
             <a:extLst>
               <a:ext uri="{FF2B5EF4-FFF2-40B4-BE49-F238E27FC236}">
-                <a16:creationId xmlns:a16="http://schemas.microsoft.com/office/drawing/2014/main" xmlns="" id="{FBA63E27-3DA4-4D07-ADF8-40F8D792B257}"/>
+                <a16:creationId xmlns="" xmlns:a16="http://schemas.microsoft.com/office/drawing/2014/main" id="{FBA63E27-3DA4-4D07-ADF8-40F8D792B257}"/>
               </a:ext>
             </a:extLst>
           </p:cNvPr>
@@ -7269,7 +8893,7 @@
 </p:sld>
 </file>
 
-<file path=ppt/slides/slide5.xml><?xml version="1.0" encoding="utf-8"?>
+<file path=ppt/slides/slide6.xml><?xml version="1.0" encoding="utf-8"?>
 <p:sld xmlns:a="http://schemas.openxmlformats.org/drawingml/2006/main" xmlns:r="http://schemas.openxmlformats.org/officeDocument/2006/relationships" xmlns:p="http://schemas.openxmlformats.org/presentationml/2006/main">
   <p:cSld>
     <p:spTree>
@@ -7293,7 +8917,7 @@
               <p:cNvPr id="4" name="TextBox 3">
                 <a:extLst>
                   <a:ext uri="{FF2B5EF4-FFF2-40B4-BE49-F238E27FC236}">
-                    <a16:creationId xmlns:a16="http://schemas.microsoft.com/office/drawing/2014/main" xmlns="" id="{648AE66B-CE9D-4A81-B2F0-56B3DEA9AA64}"/>
+                    <a16:creationId xmlns="" xmlns:a16="http://schemas.microsoft.com/office/drawing/2014/main" id="{648AE66B-CE9D-4A81-B2F0-56B3DEA9AA64}"/>
                   </a:ext>
                 </a:extLst>
               </p:cNvPr>
@@ -8687,7 +10311,7 @@
 </p:sld>
 </file>
 
-<file path=ppt/slides/slide6.xml><?xml version="1.0" encoding="utf-8"?>
+<file path=ppt/slides/slide7.xml><?xml version="1.0" encoding="utf-8"?>
 <p:sld xmlns:a="http://schemas.openxmlformats.org/drawingml/2006/main" xmlns:r="http://schemas.openxmlformats.org/officeDocument/2006/relationships" xmlns:p="http://schemas.openxmlformats.org/presentationml/2006/main">
   <p:cSld>
     <p:spTree>
@@ -8711,7 +10335,7 @@
               <p:cNvPr id="4" name="TextBox 3">
                 <a:extLst>
                   <a:ext uri="{FF2B5EF4-FFF2-40B4-BE49-F238E27FC236}">
-                    <a16:creationId xmlns:a16="http://schemas.microsoft.com/office/drawing/2014/main" xmlns="" id="{648AE66B-CE9D-4A81-B2F0-56B3DEA9AA64}"/>
+                    <a16:creationId xmlns="" xmlns:a16="http://schemas.microsoft.com/office/drawing/2014/main" id="{648AE66B-CE9D-4A81-B2F0-56B3DEA9AA64}"/>
                   </a:ext>
                 </a:extLst>
               </p:cNvPr>
@@ -9019,7 +10643,7 @@
           <p:cNvPr id="3" name="직선 연결선 2">
             <a:extLst>
               <a:ext uri="{FF2B5EF4-FFF2-40B4-BE49-F238E27FC236}">
-                <a16:creationId xmlns:a16="http://schemas.microsoft.com/office/drawing/2014/main" xmlns="" id="{B6395146-6215-4E1A-9183-D823B3BB491F}"/>
+                <a16:creationId xmlns="" xmlns:a16="http://schemas.microsoft.com/office/drawing/2014/main" id="{B6395146-6215-4E1A-9183-D823B3BB491F}"/>
               </a:ext>
             </a:extLst>
           </p:cNvPr>
@@ -9062,7 +10686,7 @@
           <p:cNvPr id="5" name="직선 연결선 4">
             <a:extLst>
               <a:ext uri="{FF2B5EF4-FFF2-40B4-BE49-F238E27FC236}">
-                <a16:creationId xmlns:a16="http://schemas.microsoft.com/office/drawing/2014/main" xmlns="" id="{247367A3-855C-4477-B921-8104D278410F}"/>
+                <a16:creationId xmlns="" xmlns:a16="http://schemas.microsoft.com/office/drawing/2014/main" id="{247367A3-855C-4477-B921-8104D278410F}"/>
               </a:ext>
             </a:extLst>
           </p:cNvPr>
@@ -9107,7 +10731,7 @@
               <p:cNvPr id="7" name="TextBox 6">
                 <a:extLst>
                   <a:ext uri="{FF2B5EF4-FFF2-40B4-BE49-F238E27FC236}">
-                    <a16:creationId xmlns:a16="http://schemas.microsoft.com/office/drawing/2014/main" xmlns="" id="{D1D48A16-3854-4CD4-943E-C5262AC9F2B2}"/>
+                    <a16:creationId xmlns="" xmlns:a16="http://schemas.microsoft.com/office/drawing/2014/main" id="{D1D48A16-3854-4CD4-943E-C5262AC9F2B2}"/>
                   </a:ext>
                 </a:extLst>
               </p:cNvPr>
@@ -9228,7 +10852,7 @@
               <p:cNvPr id="8" name="TextBox 7">
                 <a:extLst>
                   <a:ext uri="{FF2B5EF4-FFF2-40B4-BE49-F238E27FC236}">
-                    <a16:creationId xmlns:a16="http://schemas.microsoft.com/office/drawing/2014/main" xmlns="" id="{F2526155-6D0D-43E1-9B61-5A7FC5A1D1BF}"/>
+                    <a16:creationId xmlns="" xmlns:a16="http://schemas.microsoft.com/office/drawing/2014/main" id="{F2526155-6D0D-43E1-9B61-5A7FC5A1D1BF}"/>
                   </a:ext>
                 </a:extLst>
               </p:cNvPr>
@@ -9349,7 +10973,7 @@
               <p:cNvPr id="9" name="TextBox 8">
                 <a:extLst>
                   <a:ext uri="{FF2B5EF4-FFF2-40B4-BE49-F238E27FC236}">
-                    <a16:creationId xmlns:a16="http://schemas.microsoft.com/office/drawing/2014/main" xmlns="" id="{42B99C1E-6400-47F4-B108-06C7AAE3E13F}"/>
+                    <a16:creationId xmlns="" xmlns:a16="http://schemas.microsoft.com/office/drawing/2014/main" id="{42B99C1E-6400-47F4-B108-06C7AAE3E13F}"/>
                   </a:ext>
                 </a:extLst>
               </p:cNvPr>
@@ -9462,7 +11086,7 @@
           <p:cNvPr id="11" name="직선 연결선 10">
             <a:extLst>
               <a:ext uri="{FF2B5EF4-FFF2-40B4-BE49-F238E27FC236}">
-                <a16:creationId xmlns:a16="http://schemas.microsoft.com/office/drawing/2014/main" xmlns="" id="{94AB2DC3-FB98-4128-926C-3022EF0AC076}"/>
+                <a16:creationId xmlns="" xmlns:a16="http://schemas.microsoft.com/office/drawing/2014/main" id="{94AB2DC3-FB98-4128-926C-3022EF0AC076}"/>
               </a:ext>
             </a:extLst>
           </p:cNvPr>
@@ -9507,7 +11131,7 @@
           <p:cNvPr id="15" name="원호 14">
             <a:extLst>
               <a:ext uri="{FF2B5EF4-FFF2-40B4-BE49-F238E27FC236}">
-                <a16:creationId xmlns:a16="http://schemas.microsoft.com/office/drawing/2014/main" xmlns="" id="{7D18641D-4ED7-4AC1-BCA6-21CA6B408D8A}"/>
+                <a16:creationId xmlns="" xmlns:a16="http://schemas.microsoft.com/office/drawing/2014/main" id="{7D18641D-4ED7-4AC1-BCA6-21CA6B408D8A}"/>
               </a:ext>
             </a:extLst>
           </p:cNvPr>
@@ -9561,7 +11185,7 @@
               <p:cNvPr id="16" name="TextBox 15">
                 <a:extLst>
                   <a:ext uri="{FF2B5EF4-FFF2-40B4-BE49-F238E27FC236}">
-                    <a16:creationId xmlns:a16="http://schemas.microsoft.com/office/drawing/2014/main" xmlns="" id="{DF70C9ED-1752-4A00-BB95-F503D6BEC414}"/>
+                    <a16:creationId xmlns="" xmlns:a16="http://schemas.microsoft.com/office/drawing/2014/main" id="{DF70C9ED-1752-4A00-BB95-F503D6BEC414}"/>
                   </a:ext>
                 </a:extLst>
               </p:cNvPr>
@@ -9676,7 +11300,7 @@
 </p:sld>
 </file>
 
-<file path=ppt/slides/slide7.xml><?xml version="1.0" encoding="utf-8"?>
+<file path=ppt/slides/slide8.xml><?xml version="1.0" encoding="utf-8"?>
 <p:sld xmlns:a="http://schemas.openxmlformats.org/drawingml/2006/main" xmlns:r="http://schemas.openxmlformats.org/officeDocument/2006/relationships" xmlns:p="http://schemas.openxmlformats.org/presentationml/2006/main">
   <p:cSld>
     <p:spTree>
@@ -9700,7 +11324,7 @@
               <p:cNvPr id="4" name="TextBox 3">
                 <a:extLst>
                   <a:ext uri="{FF2B5EF4-FFF2-40B4-BE49-F238E27FC236}">
-                    <a16:creationId xmlns:a16="http://schemas.microsoft.com/office/drawing/2014/main" xmlns="" id="{648AE66B-CE9D-4A81-B2F0-56B3DEA9AA64}"/>
+                    <a16:creationId xmlns="" xmlns:a16="http://schemas.microsoft.com/office/drawing/2014/main" id="{648AE66B-CE9D-4A81-B2F0-56B3DEA9AA64}"/>
                   </a:ext>
                 </a:extLst>
               </p:cNvPr>
@@ -10019,7 +11643,7 @@
           <p:cNvPr id="5" name="직선 연결선 4">
             <a:extLst>
               <a:ext uri="{FF2B5EF4-FFF2-40B4-BE49-F238E27FC236}">
-                <a16:creationId xmlns:a16="http://schemas.microsoft.com/office/drawing/2014/main" xmlns="" id="{C4C72BAA-D1BE-41B2-AF21-8B8A744B60D5}"/>
+                <a16:creationId xmlns="" xmlns:a16="http://schemas.microsoft.com/office/drawing/2014/main" id="{C4C72BAA-D1BE-41B2-AF21-8B8A744B60D5}"/>
               </a:ext>
             </a:extLst>
           </p:cNvPr>
@@ -10062,7 +11686,7 @@
           <p:cNvPr id="6" name="직선 연결선 5">
             <a:extLst>
               <a:ext uri="{FF2B5EF4-FFF2-40B4-BE49-F238E27FC236}">
-                <a16:creationId xmlns:a16="http://schemas.microsoft.com/office/drawing/2014/main" xmlns="" id="{7960DDDA-5B0A-46A2-975F-5A9FA43DC8BB}"/>
+                <a16:creationId xmlns="" xmlns:a16="http://schemas.microsoft.com/office/drawing/2014/main" id="{7960DDDA-5B0A-46A2-975F-5A9FA43DC8BB}"/>
               </a:ext>
             </a:extLst>
           </p:cNvPr>
@@ -10105,7 +11729,7 @@
           <p:cNvPr id="9" name="타원 8">
             <a:extLst>
               <a:ext uri="{FF2B5EF4-FFF2-40B4-BE49-F238E27FC236}">
-                <a16:creationId xmlns:a16="http://schemas.microsoft.com/office/drawing/2014/main" xmlns="" id="{161DA5AC-D926-418B-A869-3FDC1C6231F3}"/>
+                <a16:creationId xmlns="" xmlns:a16="http://schemas.microsoft.com/office/drawing/2014/main" id="{161DA5AC-D926-418B-A869-3FDC1C6231F3}"/>
               </a:ext>
             </a:extLst>
           </p:cNvPr>
@@ -10160,7 +11784,7 @@
           <p:cNvPr id="10" name="타원 9">
             <a:extLst>
               <a:ext uri="{FF2B5EF4-FFF2-40B4-BE49-F238E27FC236}">
-                <a16:creationId xmlns:a16="http://schemas.microsoft.com/office/drawing/2014/main" xmlns="" id="{F79C4A1C-01E7-410D-9488-7F096493BABF}"/>
+                <a16:creationId xmlns="" xmlns:a16="http://schemas.microsoft.com/office/drawing/2014/main" id="{F79C4A1C-01E7-410D-9488-7F096493BABF}"/>
               </a:ext>
             </a:extLst>
           </p:cNvPr>
@@ -10214,7 +11838,7 @@
               <p:cNvPr id="11" name="TextBox 10">
                 <a:extLst>
                   <a:ext uri="{FF2B5EF4-FFF2-40B4-BE49-F238E27FC236}">
-                    <a16:creationId xmlns:a16="http://schemas.microsoft.com/office/drawing/2014/main" xmlns="" id="{A83E9FF0-4A23-4E40-9A98-BFF4D845C261}"/>
+                    <a16:creationId xmlns="" xmlns:a16="http://schemas.microsoft.com/office/drawing/2014/main" id="{A83E9FF0-4A23-4E40-9A98-BFF4D845C261}"/>
                   </a:ext>
                 </a:extLst>
               </p:cNvPr>
@@ -10335,7 +11959,7 @@
               <p:cNvPr id="12" name="TextBox 11">
                 <a:extLst>
                   <a:ext uri="{FF2B5EF4-FFF2-40B4-BE49-F238E27FC236}">
-                    <a16:creationId xmlns:a16="http://schemas.microsoft.com/office/drawing/2014/main" xmlns="" id="{BF600A43-812C-422E-9540-7717E79AC35E}"/>
+                    <a16:creationId xmlns="" xmlns:a16="http://schemas.microsoft.com/office/drawing/2014/main" id="{BF600A43-812C-422E-9540-7717E79AC35E}"/>
                   </a:ext>
                 </a:extLst>
               </p:cNvPr>
@@ -10450,7 +12074,7 @@
               <p:cNvPr id="13" name="TextBox 12">
                 <a:extLst>
                   <a:ext uri="{FF2B5EF4-FFF2-40B4-BE49-F238E27FC236}">
-                    <a16:creationId xmlns:a16="http://schemas.microsoft.com/office/drawing/2014/main" xmlns="" id="{6C522CB6-1D3E-42F8-8A89-699FAEB2E5F9}"/>
+                    <a16:creationId xmlns="" xmlns:a16="http://schemas.microsoft.com/office/drawing/2014/main" id="{6C522CB6-1D3E-42F8-8A89-699FAEB2E5F9}"/>
                   </a:ext>
                 </a:extLst>
               </p:cNvPr>
@@ -10571,7 +12195,7 @@
               <p:cNvPr id="14" name="TextBox 13">
                 <a:extLst>
                   <a:ext uri="{FF2B5EF4-FFF2-40B4-BE49-F238E27FC236}">
-                    <a16:creationId xmlns:a16="http://schemas.microsoft.com/office/drawing/2014/main" xmlns="" id="{0198002D-81EF-4F7A-BC78-B949107AE135}"/>
+                    <a16:creationId xmlns="" xmlns:a16="http://schemas.microsoft.com/office/drawing/2014/main" id="{0198002D-81EF-4F7A-BC78-B949107AE135}"/>
                   </a:ext>
                 </a:extLst>
               </p:cNvPr>
@@ -10684,7 +12308,7 @@
           <p:cNvPr id="15" name="직선 연결선 14">
             <a:extLst>
               <a:ext uri="{FF2B5EF4-FFF2-40B4-BE49-F238E27FC236}">
-                <a16:creationId xmlns:a16="http://schemas.microsoft.com/office/drawing/2014/main" xmlns="" id="{10F5E4C7-684C-4963-9F27-28781D9A65E1}"/>
+                <a16:creationId xmlns="" xmlns:a16="http://schemas.microsoft.com/office/drawing/2014/main" id="{10F5E4C7-684C-4963-9F27-28781D9A65E1}"/>
               </a:ext>
             </a:extLst>
           </p:cNvPr>
@@ -10729,7 +12353,7 @@
           <p:cNvPr id="17" name="직선 연결선 16">
             <a:extLst>
               <a:ext uri="{FF2B5EF4-FFF2-40B4-BE49-F238E27FC236}">
-                <a16:creationId xmlns:a16="http://schemas.microsoft.com/office/drawing/2014/main" xmlns="" id="{AAD4441C-2220-4E3B-93D3-B8D117631D54}"/>
+                <a16:creationId xmlns="" xmlns:a16="http://schemas.microsoft.com/office/drawing/2014/main" id="{AAD4441C-2220-4E3B-93D3-B8D117631D54}"/>
               </a:ext>
             </a:extLst>
           </p:cNvPr>
@@ -10775,7 +12399,7 @@
           <p:cNvPr id="20" name="직선 연결선 19">
             <a:extLst>
               <a:ext uri="{FF2B5EF4-FFF2-40B4-BE49-F238E27FC236}">
-                <a16:creationId xmlns:a16="http://schemas.microsoft.com/office/drawing/2014/main" xmlns="" id="{BB9D7DE3-F137-4B88-84B2-AAA033FC437A}"/>
+                <a16:creationId xmlns="" xmlns:a16="http://schemas.microsoft.com/office/drawing/2014/main" id="{BB9D7DE3-F137-4B88-84B2-AAA033FC437A}"/>
               </a:ext>
             </a:extLst>
           </p:cNvPr>
@@ -10822,7 +12446,7 @@
           <p:cNvPr id="23" name="원호 22">
             <a:extLst>
               <a:ext uri="{FF2B5EF4-FFF2-40B4-BE49-F238E27FC236}">
-                <a16:creationId xmlns:a16="http://schemas.microsoft.com/office/drawing/2014/main" xmlns="" id="{09EDE6E4-C857-41D9-AFC7-24F37E0738BD}"/>
+                <a16:creationId xmlns="" xmlns:a16="http://schemas.microsoft.com/office/drawing/2014/main" id="{09EDE6E4-C857-41D9-AFC7-24F37E0738BD}"/>
               </a:ext>
             </a:extLst>
           </p:cNvPr>
@@ -10876,7 +12500,7 @@
               <p:cNvPr id="24" name="TextBox 23">
                 <a:extLst>
                   <a:ext uri="{FF2B5EF4-FFF2-40B4-BE49-F238E27FC236}">
-                    <a16:creationId xmlns:a16="http://schemas.microsoft.com/office/drawing/2014/main" xmlns="" id="{1CA3C24F-3918-4FE9-BAD0-6E34692E843A}"/>
+                    <a16:creationId xmlns="" xmlns:a16="http://schemas.microsoft.com/office/drawing/2014/main" id="{1CA3C24F-3918-4FE9-BAD0-6E34692E843A}"/>
                   </a:ext>
                 </a:extLst>
               </p:cNvPr>
@@ -11010,7 +12634,7 @@
 </p:sld>
 </file>
 
-<file path=ppt/slides/slide8.xml><?xml version="1.0" encoding="utf-8"?>
+<file path=ppt/slides/slide9.xml><?xml version="1.0" encoding="utf-8"?>
 <p:sld xmlns:a="http://schemas.openxmlformats.org/drawingml/2006/main" xmlns:r="http://schemas.openxmlformats.org/officeDocument/2006/relationships" xmlns:p="http://schemas.openxmlformats.org/presentationml/2006/main">
   <p:cSld>
     <p:spTree>
@@ -11034,7 +12658,7 @@
               <p:cNvPr id="4" name="TextBox 3">
                 <a:extLst>
                   <a:ext uri="{FF2B5EF4-FFF2-40B4-BE49-F238E27FC236}">
-                    <a16:creationId xmlns:a16="http://schemas.microsoft.com/office/drawing/2014/main" xmlns="" id="{648AE66B-CE9D-4A81-B2F0-56B3DEA9AA64}"/>
+                    <a16:creationId xmlns="" xmlns:a16="http://schemas.microsoft.com/office/drawing/2014/main" id="{648AE66B-CE9D-4A81-B2F0-56B3DEA9AA64}"/>
                   </a:ext>
                 </a:extLst>
               </p:cNvPr>
@@ -11673,7 +13297,7 @@
           <p:cNvPr id="5" name="직선 연결선 4">
             <a:extLst>
               <a:ext uri="{FF2B5EF4-FFF2-40B4-BE49-F238E27FC236}">
-                <a16:creationId xmlns:a16="http://schemas.microsoft.com/office/drawing/2014/main" xmlns="" id="{7645722C-1CC2-403B-8E3D-97981F8F1184}"/>
+                <a16:creationId xmlns="" xmlns:a16="http://schemas.microsoft.com/office/drawing/2014/main" id="{7645722C-1CC2-403B-8E3D-97981F8F1184}"/>
               </a:ext>
             </a:extLst>
           </p:cNvPr>
@@ -11716,7 +13340,7 @@
           <p:cNvPr id="7" name="직선 연결선 6">
             <a:extLst>
               <a:ext uri="{FF2B5EF4-FFF2-40B4-BE49-F238E27FC236}">
-                <a16:creationId xmlns:a16="http://schemas.microsoft.com/office/drawing/2014/main" xmlns="" id="{830F12DE-C411-4430-8D82-262018EA5104}"/>
+                <a16:creationId xmlns="" xmlns:a16="http://schemas.microsoft.com/office/drawing/2014/main" id="{830F12DE-C411-4430-8D82-262018EA5104}"/>
               </a:ext>
             </a:extLst>
           </p:cNvPr>
@@ -11759,7 +13383,7 @@
           <p:cNvPr id="15" name="원호 14">
             <a:extLst>
               <a:ext uri="{FF2B5EF4-FFF2-40B4-BE49-F238E27FC236}">
-                <a16:creationId xmlns:a16="http://schemas.microsoft.com/office/drawing/2014/main" xmlns="" id="{9DE20D88-48C1-43EE-A57E-E992F130FF62}"/>
+                <a16:creationId xmlns="" xmlns:a16="http://schemas.microsoft.com/office/drawing/2014/main" id="{9DE20D88-48C1-43EE-A57E-E992F130FF62}"/>
               </a:ext>
             </a:extLst>
           </p:cNvPr>
@@ -11813,7 +13437,7 @@
               <p:cNvPr id="17" name="TextBox 16">
                 <a:extLst>
                   <a:ext uri="{FF2B5EF4-FFF2-40B4-BE49-F238E27FC236}">
-                    <a16:creationId xmlns:a16="http://schemas.microsoft.com/office/drawing/2014/main" xmlns="" id="{32B087BB-5F05-4919-B856-85299F3E0B80}"/>
+                    <a16:creationId xmlns="" xmlns:a16="http://schemas.microsoft.com/office/drawing/2014/main" id="{32B087BB-5F05-4919-B856-85299F3E0B80}"/>
                   </a:ext>
                 </a:extLst>
               </p:cNvPr>
@@ -11934,7 +13558,7 @@
               <p:cNvPr id="18" name="TextBox 17">
                 <a:extLst>
                   <a:ext uri="{FF2B5EF4-FFF2-40B4-BE49-F238E27FC236}">
-                    <a16:creationId xmlns:a16="http://schemas.microsoft.com/office/drawing/2014/main" xmlns="" id="{08E5DEFC-A208-4F23-B97C-D9A611B2EBD4}"/>
+                    <a16:creationId xmlns="" xmlns:a16="http://schemas.microsoft.com/office/drawing/2014/main" id="{08E5DEFC-A208-4F23-B97C-D9A611B2EBD4}"/>
                   </a:ext>
                 </a:extLst>
               </p:cNvPr>
@@ -12055,7 +13679,7 @@
               <p:cNvPr id="19" name="TextBox 18">
                 <a:extLst>
                   <a:ext uri="{FF2B5EF4-FFF2-40B4-BE49-F238E27FC236}">
-                    <a16:creationId xmlns:a16="http://schemas.microsoft.com/office/drawing/2014/main" xmlns="" id="{B048141B-E9EE-4BBF-81D4-9F8CDEBCA415}"/>
+                    <a16:creationId xmlns="" xmlns:a16="http://schemas.microsoft.com/office/drawing/2014/main" id="{B048141B-E9EE-4BBF-81D4-9F8CDEBCA415}"/>
                   </a:ext>
                 </a:extLst>
               </p:cNvPr>
@@ -12168,7 +13792,7 @@
           <p:cNvPr id="21" name="직선 연결선 20">
             <a:extLst>
               <a:ext uri="{FF2B5EF4-FFF2-40B4-BE49-F238E27FC236}">
-                <a16:creationId xmlns:a16="http://schemas.microsoft.com/office/drawing/2014/main" xmlns="" id="{E565A652-6EA2-49D0-9CC2-D4C0AE1A7F73}"/>
+                <a16:creationId xmlns="" xmlns:a16="http://schemas.microsoft.com/office/drawing/2014/main" id="{E565A652-6EA2-49D0-9CC2-D4C0AE1A7F73}"/>
               </a:ext>
             </a:extLst>
           </p:cNvPr>
@@ -12211,7 +13835,7 @@
           <p:cNvPr id="23" name="직선 연결선 22">
             <a:extLst>
               <a:ext uri="{FF2B5EF4-FFF2-40B4-BE49-F238E27FC236}">
-                <a16:creationId xmlns:a16="http://schemas.microsoft.com/office/drawing/2014/main" xmlns="" id="{6DB2A66C-0790-4A0F-91AB-B8B4162B1B35}"/>
+                <a16:creationId xmlns="" xmlns:a16="http://schemas.microsoft.com/office/drawing/2014/main" id="{6DB2A66C-0790-4A0F-91AB-B8B4162B1B35}"/>
               </a:ext>
             </a:extLst>
           </p:cNvPr>
@@ -12254,7 +13878,7 @@
           <p:cNvPr id="26" name="직선 연결선 25">
             <a:extLst>
               <a:ext uri="{FF2B5EF4-FFF2-40B4-BE49-F238E27FC236}">
-                <a16:creationId xmlns:a16="http://schemas.microsoft.com/office/drawing/2014/main" xmlns="" id="{A5C94CE3-253A-49B1-BEF1-A32DBBC7FE7D}"/>
+                <a16:creationId xmlns="" xmlns:a16="http://schemas.microsoft.com/office/drawing/2014/main" id="{A5C94CE3-253A-49B1-BEF1-A32DBBC7FE7D}"/>
               </a:ext>
             </a:extLst>
           </p:cNvPr>
@@ -12297,7 +13921,7 @@
           <p:cNvPr id="28" name="직선 연결선 27">
             <a:extLst>
               <a:ext uri="{FF2B5EF4-FFF2-40B4-BE49-F238E27FC236}">
-                <a16:creationId xmlns:a16="http://schemas.microsoft.com/office/drawing/2014/main" xmlns="" id="{C7734F27-BF8F-4F4D-A6D8-47ABF6C39892}"/>
+                <a16:creationId xmlns="" xmlns:a16="http://schemas.microsoft.com/office/drawing/2014/main" id="{C7734F27-BF8F-4F4D-A6D8-47ABF6C39892}"/>
               </a:ext>
             </a:extLst>
           </p:cNvPr>
@@ -12340,7 +13964,7 @@
           <p:cNvPr id="29" name="직선 연결선 28">
             <a:extLst>
               <a:ext uri="{FF2B5EF4-FFF2-40B4-BE49-F238E27FC236}">
-                <a16:creationId xmlns:a16="http://schemas.microsoft.com/office/drawing/2014/main" xmlns="" id="{2BFB24F1-43F7-4DB0-A368-BAD3F6A62404}"/>
+                <a16:creationId xmlns="" xmlns:a16="http://schemas.microsoft.com/office/drawing/2014/main" id="{2BFB24F1-43F7-4DB0-A368-BAD3F6A62404}"/>
               </a:ext>
             </a:extLst>
           </p:cNvPr>
@@ -12383,7 +14007,7 @@
           <p:cNvPr id="30" name="직선 연결선 29">
             <a:extLst>
               <a:ext uri="{FF2B5EF4-FFF2-40B4-BE49-F238E27FC236}">
-                <a16:creationId xmlns:a16="http://schemas.microsoft.com/office/drawing/2014/main" xmlns="" id="{C67D3F23-D2FC-4FDF-972B-CCB1EC25FD5A}"/>
+                <a16:creationId xmlns="" xmlns:a16="http://schemas.microsoft.com/office/drawing/2014/main" id="{C67D3F23-D2FC-4FDF-972B-CCB1EC25FD5A}"/>
               </a:ext>
             </a:extLst>
           </p:cNvPr>
@@ -12426,7 +14050,7 @@
           <p:cNvPr id="31" name="직선 연결선 30">
             <a:extLst>
               <a:ext uri="{FF2B5EF4-FFF2-40B4-BE49-F238E27FC236}">
-                <a16:creationId xmlns:a16="http://schemas.microsoft.com/office/drawing/2014/main" xmlns="" id="{503EB94E-5741-4A38-B5DC-BB9A48FD8AA9}"/>
+                <a16:creationId xmlns="" xmlns:a16="http://schemas.microsoft.com/office/drawing/2014/main" id="{503EB94E-5741-4A38-B5DC-BB9A48FD8AA9}"/>
               </a:ext>
             </a:extLst>
           </p:cNvPr>
@@ -12469,7 +14093,7 @@
           <p:cNvPr id="32" name="직선 연결선 31">
             <a:extLst>
               <a:ext uri="{FF2B5EF4-FFF2-40B4-BE49-F238E27FC236}">
-                <a16:creationId xmlns:a16="http://schemas.microsoft.com/office/drawing/2014/main" xmlns="" id="{35BD0EEB-AE41-40F6-9FD5-11C34A1F03AE}"/>
+                <a16:creationId xmlns="" xmlns:a16="http://schemas.microsoft.com/office/drawing/2014/main" id="{35BD0EEB-AE41-40F6-9FD5-11C34A1F03AE}"/>
               </a:ext>
             </a:extLst>
           </p:cNvPr>
@@ -12512,7 +14136,7 @@
           <p:cNvPr id="37" name="직선 연결선 36">
             <a:extLst>
               <a:ext uri="{FF2B5EF4-FFF2-40B4-BE49-F238E27FC236}">
-                <a16:creationId xmlns:a16="http://schemas.microsoft.com/office/drawing/2014/main" xmlns="" id="{127751FA-40A6-4D9F-BDA5-6402A85682A3}"/>
+                <a16:creationId xmlns="" xmlns:a16="http://schemas.microsoft.com/office/drawing/2014/main" id="{127751FA-40A6-4D9F-BDA5-6402A85682A3}"/>
               </a:ext>
             </a:extLst>
           </p:cNvPr>
@@ -12555,7 +14179,7 @@
           <p:cNvPr id="38" name="직선 연결선 37">
             <a:extLst>
               <a:ext uri="{FF2B5EF4-FFF2-40B4-BE49-F238E27FC236}">
-                <a16:creationId xmlns:a16="http://schemas.microsoft.com/office/drawing/2014/main" xmlns="" id="{C2E81FF7-4D7D-42E7-A02F-31FCA70A72F2}"/>
+                <a16:creationId xmlns="" xmlns:a16="http://schemas.microsoft.com/office/drawing/2014/main" id="{C2E81FF7-4D7D-42E7-A02F-31FCA70A72F2}"/>
               </a:ext>
             </a:extLst>
           </p:cNvPr>
@@ -12598,7 +14222,7 @@
           <p:cNvPr id="40" name="직선 연결선 39">
             <a:extLst>
               <a:ext uri="{FF2B5EF4-FFF2-40B4-BE49-F238E27FC236}">
-                <a16:creationId xmlns:a16="http://schemas.microsoft.com/office/drawing/2014/main" xmlns="" id="{5C6B77FC-7E53-4D46-BA2B-1993F3E3F651}"/>
+                <a16:creationId xmlns="" xmlns:a16="http://schemas.microsoft.com/office/drawing/2014/main" id="{5C6B77FC-7E53-4D46-BA2B-1993F3E3F651}"/>
               </a:ext>
             </a:extLst>
           </p:cNvPr>
@@ -12644,7 +14268,7 @@
           <p:cNvPr id="41" name="직선 연결선 40">
             <a:extLst>
               <a:ext uri="{FF2B5EF4-FFF2-40B4-BE49-F238E27FC236}">
-                <a16:creationId xmlns:a16="http://schemas.microsoft.com/office/drawing/2014/main" xmlns="" id="{F6B316E2-1E1B-4739-9233-5AEAC8FA6356}"/>
+                <a16:creationId xmlns="" xmlns:a16="http://schemas.microsoft.com/office/drawing/2014/main" id="{F6B316E2-1E1B-4739-9233-5AEAC8FA6356}"/>
               </a:ext>
             </a:extLst>
           </p:cNvPr>
@@ -12691,7 +14315,7 @@
               <p:cNvPr id="16" name="TextBox 15">
                 <a:extLst>
                   <a:ext uri="{FF2B5EF4-FFF2-40B4-BE49-F238E27FC236}">
-                    <a16:creationId xmlns:a16="http://schemas.microsoft.com/office/drawing/2014/main" xmlns="" id="{AE159B29-927F-4362-B029-47AA433EBA9A}"/>
+                    <a16:creationId xmlns="" xmlns:a16="http://schemas.microsoft.com/office/drawing/2014/main" id="{AE159B29-927F-4362-B029-47AA433EBA9A}"/>
                   </a:ext>
                 </a:extLst>
               </p:cNvPr>
@@ -12806,7 +14430,7 @@
               <p:cNvPr id="49" name="직사각형 48">
                 <a:extLst>
                   <a:ext uri="{FF2B5EF4-FFF2-40B4-BE49-F238E27FC236}">
-                    <a16:creationId xmlns:a16="http://schemas.microsoft.com/office/drawing/2014/main" xmlns="" id="{384F8D33-83B9-45ED-ACE5-4F618D8AB8A1}"/>
+                    <a16:creationId xmlns="" xmlns:a16="http://schemas.microsoft.com/office/drawing/2014/main" id="{384F8D33-83B9-45ED-ACE5-4F618D8AB8A1}"/>
                   </a:ext>
                 </a:extLst>
               </p:cNvPr>
@@ -12921,7 +14545,7 @@
               <p:cNvPr id="50" name="직사각형 49">
                 <a:extLst>
                   <a:ext uri="{FF2B5EF4-FFF2-40B4-BE49-F238E27FC236}">
-                    <a16:creationId xmlns:a16="http://schemas.microsoft.com/office/drawing/2014/main" xmlns="" id="{3D194CE6-B8C5-4F62-BF65-4611778DB3BA}"/>
+                    <a16:creationId xmlns="" xmlns:a16="http://schemas.microsoft.com/office/drawing/2014/main" id="{3D194CE6-B8C5-4F62-BF65-4611778DB3BA}"/>
                   </a:ext>
                 </a:extLst>
               </p:cNvPr>
@@ -13036,7 +14660,7 @@
               <p:cNvPr id="51" name="직사각형 50">
                 <a:extLst>
                   <a:ext uri="{FF2B5EF4-FFF2-40B4-BE49-F238E27FC236}">
-                    <a16:creationId xmlns:a16="http://schemas.microsoft.com/office/drawing/2014/main" xmlns="" id="{90691BF3-48A8-45F2-BAEB-2B5E557D995B}"/>
+                    <a16:creationId xmlns="" xmlns:a16="http://schemas.microsoft.com/office/drawing/2014/main" id="{90691BF3-48A8-45F2-BAEB-2B5E557D995B}"/>
                   </a:ext>
                 </a:extLst>
               </p:cNvPr>
@@ -13149,7 +14773,7 @@
           <p:cNvPr id="65" name="막힌 원호 64">
             <a:extLst>
               <a:ext uri="{FF2B5EF4-FFF2-40B4-BE49-F238E27FC236}">
-                <a16:creationId xmlns:a16="http://schemas.microsoft.com/office/drawing/2014/main" xmlns="" id="{42903479-8AE6-4614-989E-40AF3023BE8A}"/>
+                <a16:creationId xmlns="" xmlns:a16="http://schemas.microsoft.com/office/drawing/2014/main" id="{42903479-8AE6-4614-989E-40AF3023BE8A}"/>
               </a:ext>
             </a:extLst>
           </p:cNvPr>
@@ -13208,7 +14832,7 @@
           <p:cNvPr id="66" name="막힌 원호 65">
             <a:extLst>
               <a:ext uri="{FF2B5EF4-FFF2-40B4-BE49-F238E27FC236}">
-                <a16:creationId xmlns:a16="http://schemas.microsoft.com/office/drawing/2014/main" xmlns="" id="{FC1DFE24-4D28-44D3-BCEE-BE7089A486E9}"/>
+                <a16:creationId xmlns="" xmlns:a16="http://schemas.microsoft.com/office/drawing/2014/main" id="{FC1DFE24-4D28-44D3-BCEE-BE7089A486E9}"/>
               </a:ext>
             </a:extLst>
           </p:cNvPr>
@@ -13267,7 +14891,7 @@
           <p:cNvPr id="67" name="막힌 원호 66">
             <a:extLst>
               <a:ext uri="{FF2B5EF4-FFF2-40B4-BE49-F238E27FC236}">
-                <a16:creationId xmlns:a16="http://schemas.microsoft.com/office/drawing/2014/main" xmlns="" id="{22714BB8-843D-4F0D-8CE6-D58DB10B7839}"/>
+                <a16:creationId xmlns="" xmlns:a16="http://schemas.microsoft.com/office/drawing/2014/main" id="{22714BB8-843D-4F0D-8CE6-D58DB10B7839}"/>
               </a:ext>
             </a:extLst>
           </p:cNvPr>
@@ -13326,7 +14950,7 @@
           <p:cNvPr id="68" name="타원 67">
             <a:extLst>
               <a:ext uri="{FF2B5EF4-FFF2-40B4-BE49-F238E27FC236}">
-                <a16:creationId xmlns:a16="http://schemas.microsoft.com/office/drawing/2014/main" xmlns="" id="{C722550F-9066-4109-8317-A63F34F63326}"/>
+                <a16:creationId xmlns="" xmlns:a16="http://schemas.microsoft.com/office/drawing/2014/main" id="{C722550F-9066-4109-8317-A63F34F63326}"/>
               </a:ext>
             </a:extLst>
           </p:cNvPr>
@@ -13378,7 +15002,7 @@
           <p:cNvPr id="69" name="타원 68">
             <a:extLst>
               <a:ext uri="{FF2B5EF4-FFF2-40B4-BE49-F238E27FC236}">
-                <a16:creationId xmlns:a16="http://schemas.microsoft.com/office/drawing/2014/main" xmlns="" id="{3FE8DE37-FBA5-4AE6-BC0F-ABC436A1EE96}"/>
+                <a16:creationId xmlns="" xmlns:a16="http://schemas.microsoft.com/office/drawing/2014/main" id="{3FE8DE37-FBA5-4AE6-BC0F-ABC436A1EE96}"/>
               </a:ext>
             </a:extLst>
           </p:cNvPr>
@@ -13432,7 +15056,7 @@
               <p:cNvPr id="70" name="TextBox 69">
                 <a:extLst>
                   <a:ext uri="{FF2B5EF4-FFF2-40B4-BE49-F238E27FC236}">
-                    <a16:creationId xmlns:a16="http://schemas.microsoft.com/office/drawing/2014/main" xmlns="" id="{596C9AC9-357B-45C6-982D-A20CCCB444E6}"/>
+                    <a16:creationId xmlns="" xmlns:a16="http://schemas.microsoft.com/office/drawing/2014/main" id="{596C9AC9-357B-45C6-982D-A20CCCB444E6}"/>
                   </a:ext>
                 </a:extLst>
               </p:cNvPr>
@@ -13553,7 +15177,7 @@
               <p:cNvPr id="71" name="TextBox 70">
                 <a:extLst>
                   <a:ext uri="{FF2B5EF4-FFF2-40B4-BE49-F238E27FC236}">
-                    <a16:creationId xmlns:a16="http://schemas.microsoft.com/office/drawing/2014/main" xmlns="" id="{236B5D87-DC1A-4214-9929-25617ECCBE5B}"/>
+                    <a16:creationId xmlns="" xmlns:a16="http://schemas.microsoft.com/office/drawing/2014/main" id="{236B5D87-DC1A-4214-9929-25617ECCBE5B}"/>
                   </a:ext>
                 </a:extLst>
               </p:cNvPr>
@@ -13672,7 +15296,7 @@
           <p:cNvPr id="72" name="직선 연결선 71">
             <a:extLst>
               <a:ext uri="{FF2B5EF4-FFF2-40B4-BE49-F238E27FC236}">
-                <a16:creationId xmlns:a16="http://schemas.microsoft.com/office/drawing/2014/main" xmlns="" id="{65A1FC39-07D7-4AE4-A57B-105027F649B6}"/>
+                <a16:creationId xmlns="" xmlns:a16="http://schemas.microsoft.com/office/drawing/2014/main" id="{65A1FC39-07D7-4AE4-A57B-105027F649B6}"/>
               </a:ext>
             </a:extLst>
           </p:cNvPr>
@@ -13717,7 +15341,7 @@
           <p:cNvPr id="74" name="직선 연결선 73">
             <a:extLst>
               <a:ext uri="{FF2B5EF4-FFF2-40B4-BE49-F238E27FC236}">
-                <a16:creationId xmlns:a16="http://schemas.microsoft.com/office/drawing/2014/main" xmlns="" id="{0CB7BB81-EA76-40E6-8FB1-43168B70394D}"/>
+                <a16:creationId xmlns="" xmlns:a16="http://schemas.microsoft.com/office/drawing/2014/main" id="{0CB7BB81-EA76-40E6-8FB1-43168B70394D}"/>
               </a:ext>
             </a:extLst>
           </p:cNvPr>
@@ -13763,7 +15387,7 @@
           <p:cNvPr id="77" name="직선 연결선 76">
             <a:extLst>
               <a:ext uri="{FF2B5EF4-FFF2-40B4-BE49-F238E27FC236}">
-                <a16:creationId xmlns:a16="http://schemas.microsoft.com/office/drawing/2014/main" xmlns="" id="{7EC844BC-74F1-41D5-AB47-A1EA41D8E224}"/>
+                <a16:creationId xmlns="" xmlns:a16="http://schemas.microsoft.com/office/drawing/2014/main" id="{7EC844BC-74F1-41D5-AB47-A1EA41D8E224}"/>
               </a:ext>
             </a:extLst>
           </p:cNvPr>
@@ -13809,7 +15433,7 @@
           <p:cNvPr id="79" name="직선 연결선 78">
             <a:extLst>
               <a:ext uri="{FF2B5EF4-FFF2-40B4-BE49-F238E27FC236}">
-                <a16:creationId xmlns:a16="http://schemas.microsoft.com/office/drawing/2014/main" xmlns="" id="{74805972-6913-4A29-901A-0C93346776D7}"/>
+                <a16:creationId xmlns="" xmlns:a16="http://schemas.microsoft.com/office/drawing/2014/main" id="{74805972-6913-4A29-901A-0C93346776D7}"/>
               </a:ext>
             </a:extLst>
           </p:cNvPr>
@@ -13855,7 +15479,7 @@
           <p:cNvPr id="84" name="직선 연결선 83">
             <a:extLst>
               <a:ext uri="{FF2B5EF4-FFF2-40B4-BE49-F238E27FC236}">
-                <a16:creationId xmlns:a16="http://schemas.microsoft.com/office/drawing/2014/main" xmlns="" id="{320A9006-EB1B-4EB8-A0B2-53C07107B91F}"/>
+                <a16:creationId xmlns="" xmlns:a16="http://schemas.microsoft.com/office/drawing/2014/main" id="{320A9006-EB1B-4EB8-A0B2-53C07107B91F}"/>
               </a:ext>
             </a:extLst>
           </p:cNvPr>
@@ -13900,314 +15524,6 @@
     <p:extLst>
       <p:ext uri="{BB962C8B-B14F-4D97-AF65-F5344CB8AC3E}">
         <p14:creationId xmlns:p14="http://schemas.microsoft.com/office/powerpoint/2010/main" val="4081178800"/>
-      </p:ext>
-    </p:extLst>
-  </p:cSld>
-  <p:clrMapOvr>
-    <a:masterClrMapping/>
-  </p:clrMapOvr>
-</p:sld>
-</file>
-
-<file path=ppt/slides/slide9.xml><?xml version="1.0" encoding="utf-8"?>
-<p:sld xmlns:a="http://schemas.openxmlformats.org/drawingml/2006/main" xmlns:r="http://schemas.openxmlformats.org/officeDocument/2006/relationships" xmlns:p="http://schemas.openxmlformats.org/presentationml/2006/main">
-  <p:cSld>
-    <p:spTree>
-      <p:nvGrpSpPr>
-        <p:cNvPr id="1" name=""/>
-        <p:cNvGrpSpPr/>
-        <p:nvPr/>
-      </p:nvGrpSpPr>
-      <p:grpSpPr>
-        <a:xfrm>
-          <a:off x="0" y="0"/>
-          <a:ext cx="0" cy="0"/>
-          <a:chOff x="0" y="0"/>
-          <a:chExt cx="0" cy="0"/>
-        </a:xfrm>
-      </p:grpSpPr>
-      <p:sp>
-        <p:nvSpPr>
-          <p:cNvPr id="2" name="직사각형 1">
-            <a:extLst>
-              <a:ext uri="{FF2B5EF4-FFF2-40B4-BE49-F238E27FC236}">
-                <a16:creationId xmlns:a16="http://schemas.microsoft.com/office/drawing/2014/main" xmlns="" id="{5C616F42-3532-498B-92BC-75A88E083DB0}"/>
-              </a:ext>
-            </a:extLst>
-          </p:cNvPr>
-          <p:cNvSpPr/>
-          <p:nvPr/>
-        </p:nvSpPr>
-        <p:spPr>
-          <a:xfrm>
-            <a:off x="107343" y="429370"/>
-            <a:ext cx="3347499" cy="492981"/>
-          </a:xfrm>
-          <a:prstGeom prst="rect">
-            <a:avLst/>
-          </a:prstGeom>
-          <a:solidFill>
-            <a:srgbClr val="E7E7FF"/>
-          </a:solidFill>
-          <a:ln>
-            <a:noFill/>
-          </a:ln>
-        </p:spPr>
-        <p:style>
-          <a:lnRef idx="2">
-            <a:schemeClr val="accent1">
-              <a:shade val="50000"/>
-            </a:schemeClr>
-          </a:lnRef>
-          <a:fillRef idx="1">
-            <a:schemeClr val="accent1"/>
-          </a:fillRef>
-          <a:effectRef idx="0">
-            <a:schemeClr val="accent1"/>
-          </a:effectRef>
-          <a:fontRef idx="minor">
-            <a:schemeClr val="lt1"/>
-          </a:fontRef>
-        </p:style>
-        <p:txBody>
-          <a:bodyPr rtlCol="0" anchor="ctr"/>
-          <a:lstStyle/>
-          <a:p>
-            <a:pPr algn="ctr"/>
-            <a:endParaRPr lang="ko-KR" altLang="en-US"/>
-          </a:p>
-        </p:txBody>
-      </p:sp>
-      <p:sp>
-        <p:nvSpPr>
-          <p:cNvPr id="4" name="TextBox 3">
-            <a:extLst>
-              <a:ext uri="{FF2B5EF4-FFF2-40B4-BE49-F238E27FC236}">
-                <a16:creationId xmlns:a16="http://schemas.microsoft.com/office/drawing/2014/main" xmlns="" id="{648AE66B-CE9D-4A81-B2F0-56B3DEA9AA64}"/>
-              </a:ext>
-            </a:extLst>
-          </p:cNvPr>
-          <p:cNvSpPr txBox="1"/>
-          <p:nvPr/>
-        </p:nvSpPr>
-        <p:spPr>
-          <a:xfrm>
-            <a:off x="203200" y="203200"/>
-            <a:ext cx="11760200" cy="2862322"/>
-          </a:xfrm>
-          <a:prstGeom prst="rect">
-            <a:avLst/>
-          </a:prstGeom>
-          <a:noFill/>
-        </p:spPr>
-        <p:txBody>
-          <a:bodyPr wrap="square" rtlCol="0">
-            <a:spAutoFit/>
-          </a:bodyPr>
-          <a:lstStyle/>
-          <a:p>
-            <a:endParaRPr lang="en-US" altLang="ko-KR" dirty="0">
-              <a:latin typeface="나눔스퀘어 네오 Bold" panose="00000800000000000000" pitchFamily="2" charset="-127"/>
-              <a:ea typeface="나눔스퀘어 네오 Bold" panose="00000800000000000000" pitchFamily="2" charset="-127"/>
-            </a:endParaRPr>
-          </a:p>
-          <a:p>
-            <a:r>
-              <a:rPr lang="en-US" altLang="ko-KR" dirty="0">
-                <a:latin typeface="나눔스퀘어 네오 Bold" panose="00000800000000000000" pitchFamily="2" charset="-127"/>
-                <a:ea typeface="나눔스퀘어 네오 Bold" panose="00000800000000000000" pitchFamily="2" charset="-127"/>
-              </a:rPr>
-              <a:t>Half-Edge Data Structure</a:t>
-            </a:r>
-          </a:p>
-          <a:p>
-            <a:endParaRPr lang="en-US" altLang="ko-KR" dirty="0">
-              <a:latin typeface="나눔스퀘어 네오 Bold" panose="00000800000000000000" pitchFamily="2" charset="-127"/>
-              <a:ea typeface="나눔스퀘어 네오 Bold" panose="00000800000000000000" pitchFamily="2" charset="-127"/>
-            </a:endParaRPr>
-          </a:p>
-          <a:p>
-            <a:r>
-              <a:rPr lang="en-US" altLang="ko-KR" dirty="0" err="1">
-                <a:latin typeface="나눔스퀘어 네오 Bold" panose="00000800000000000000" pitchFamily="2" charset="-127"/>
-                <a:ea typeface="나눔스퀘어 네오 Bold" panose="00000800000000000000" pitchFamily="2" charset="-127"/>
-              </a:rPr>
-              <a:t>i</a:t>
-            </a:r>
-            <a:r>
-              <a:rPr lang="en-US" altLang="ko-KR" dirty="0">
-                <a:latin typeface="나눔스퀘어 네오 Bold" panose="00000800000000000000" pitchFamily="2" charset="-127"/>
-                <a:ea typeface="나눔스퀘어 네오 Bold" panose="00000800000000000000" pitchFamily="2" charset="-127"/>
-              </a:rPr>
-              <a:t>   : half-edge index</a:t>
-            </a:r>
-          </a:p>
-          <a:p>
-            <a:r>
-              <a:rPr lang="en-US" altLang="ko-KR" dirty="0">
-                <a:latin typeface="나눔스퀘어 네오 Bold" panose="00000800000000000000" pitchFamily="2" charset="-127"/>
-                <a:ea typeface="나눔스퀘어 네오 Bold" panose="00000800000000000000" pitchFamily="2" charset="-127"/>
-              </a:rPr>
-              <a:t>v  : </a:t>
-            </a:r>
-            <a:r>
-              <a:rPr lang="ko-KR" altLang="en-US" dirty="0">
-                <a:latin typeface="나눔스퀘어 네오 Bold" panose="00000800000000000000" pitchFamily="2" charset="-127"/>
-                <a:ea typeface="나눔스퀘어 네오 Bold" panose="00000800000000000000" pitchFamily="2" charset="-127"/>
-              </a:rPr>
-              <a:t>해당 </a:t>
-            </a:r>
-            <a:r>
-              <a:rPr lang="en-US" altLang="ko-KR" dirty="0">
-                <a:latin typeface="나눔스퀘어 네오 Bold" panose="00000800000000000000" pitchFamily="2" charset="-127"/>
-                <a:ea typeface="나눔스퀘어 네오 Bold" panose="00000800000000000000" pitchFamily="2" charset="-127"/>
-              </a:rPr>
-              <a:t>vertex</a:t>
-            </a:r>
-          </a:p>
-          <a:p>
-            <a:r>
-              <a:rPr lang="en-US" altLang="ko-KR" dirty="0">
-                <a:latin typeface="나눔스퀘어 네오 Bold" panose="00000800000000000000" pitchFamily="2" charset="-127"/>
-                <a:ea typeface="나눔스퀘어 네오 Bold" panose="00000800000000000000" pitchFamily="2" charset="-127"/>
-              </a:rPr>
-              <a:t>f   : half-edge </a:t>
-            </a:r>
-            <a:r>
-              <a:rPr lang="ko-KR" altLang="en-US" dirty="0">
-                <a:latin typeface="나눔스퀘어 네오 Bold" panose="00000800000000000000" pitchFamily="2" charset="-127"/>
-                <a:ea typeface="나눔스퀘어 네오 Bold" panose="00000800000000000000" pitchFamily="2" charset="-127"/>
-              </a:rPr>
-              <a:t>영역의 </a:t>
-            </a:r>
-            <a:r>
-              <a:rPr lang="en-US" altLang="ko-KR" dirty="0">
-                <a:latin typeface="나눔스퀘어 네오 Bold" panose="00000800000000000000" pitchFamily="2" charset="-127"/>
-                <a:ea typeface="나눔스퀘어 네오 Bold" panose="00000800000000000000" pitchFamily="2" charset="-127"/>
-              </a:rPr>
-              <a:t>face</a:t>
-            </a:r>
-          </a:p>
-          <a:p>
-            <a:r>
-              <a:rPr lang="en-US" altLang="ko-KR" dirty="0">
-                <a:latin typeface="나눔스퀘어 네오 Bold" panose="00000800000000000000" pitchFamily="2" charset="-127"/>
-                <a:ea typeface="나눔스퀘어 네오 Bold" panose="00000800000000000000" pitchFamily="2" charset="-127"/>
-              </a:rPr>
-              <a:t>next : next index</a:t>
-            </a:r>
-          </a:p>
-          <a:p>
-            <a:r>
-              <a:rPr lang="en-US" altLang="ko-KR" dirty="0" err="1">
-                <a:latin typeface="나눔스퀘어 네오 Bold" panose="00000800000000000000" pitchFamily="2" charset="-127"/>
-                <a:ea typeface="나눔스퀘어 네오 Bold" panose="00000800000000000000" pitchFamily="2" charset="-127"/>
-              </a:rPr>
-              <a:t>prev</a:t>
-            </a:r>
-            <a:r>
-              <a:rPr lang="en-US" altLang="ko-KR" dirty="0">
-                <a:latin typeface="나눔스퀘어 네오 Bold" panose="00000800000000000000" pitchFamily="2" charset="-127"/>
-                <a:ea typeface="나눔스퀘어 네오 Bold" panose="00000800000000000000" pitchFamily="2" charset="-127"/>
-              </a:rPr>
-              <a:t> : </a:t>
-            </a:r>
-            <a:r>
-              <a:rPr lang="en-US" altLang="ko-KR" dirty="0" err="1">
-                <a:latin typeface="나눔스퀘어 네오 Bold" panose="00000800000000000000" pitchFamily="2" charset="-127"/>
-                <a:ea typeface="나눔스퀘어 네오 Bold" panose="00000800000000000000" pitchFamily="2" charset="-127"/>
-              </a:rPr>
-              <a:t>prev</a:t>
-            </a:r>
-            <a:r>
-              <a:rPr lang="en-US" altLang="ko-KR" dirty="0">
-                <a:latin typeface="나눔스퀘어 네오 Bold" panose="00000800000000000000" pitchFamily="2" charset="-127"/>
-                <a:ea typeface="나눔스퀘어 네오 Bold" panose="00000800000000000000" pitchFamily="2" charset="-127"/>
-              </a:rPr>
-              <a:t> index</a:t>
-            </a:r>
-          </a:p>
-          <a:p>
-            <a:r>
-              <a:rPr lang="en-US" altLang="ko-KR" dirty="0">
-                <a:latin typeface="나눔스퀘어 네오 Bold" panose="00000800000000000000" pitchFamily="2" charset="-127"/>
-                <a:ea typeface="나눔스퀘어 네오 Bold" panose="00000800000000000000" pitchFamily="2" charset="-127"/>
-              </a:rPr>
-              <a:t>twin : twin index</a:t>
-            </a:r>
-          </a:p>
-          <a:p>
-            <a:endParaRPr lang="en-US" altLang="ko-KR" dirty="0">
-              <a:latin typeface="나눔스퀘어 네오 Bold" panose="00000800000000000000" pitchFamily="2" charset="-127"/>
-              <a:ea typeface="나눔스퀘어 네오 Bold" panose="00000800000000000000" pitchFamily="2" charset="-127"/>
-            </a:endParaRPr>
-          </a:p>
-        </p:txBody>
-      </p:sp>
-      <p:pic>
-        <p:nvPicPr>
-          <p:cNvPr id="6" name="그림 5">
-            <a:extLst>
-              <a:ext uri="{FF2B5EF4-FFF2-40B4-BE49-F238E27FC236}">
-                <a16:creationId xmlns:a16="http://schemas.microsoft.com/office/drawing/2014/main" xmlns="" id="{F0D3E6B2-DCD7-453A-802D-F6C537606085}"/>
-              </a:ext>
-            </a:extLst>
-          </p:cNvPr>
-          <p:cNvPicPr>
-            <a:picLocks noChangeAspect="1"/>
-          </p:cNvPicPr>
-          <p:nvPr/>
-        </p:nvPicPr>
-        <p:blipFill>
-          <a:blip r:embed="rId2"/>
-          <a:stretch>
-            <a:fillRect/>
-          </a:stretch>
-        </p:blipFill>
-        <p:spPr>
-          <a:xfrm>
-            <a:off x="5612668" y="793816"/>
-            <a:ext cx="3928898" cy="2104972"/>
-          </a:xfrm>
-          <a:prstGeom prst="rect">
-            <a:avLst/>
-          </a:prstGeom>
-        </p:spPr>
-      </p:pic>
-      <p:pic>
-        <p:nvPicPr>
-          <p:cNvPr id="10" name="그림 9">
-            <a:extLst>
-              <a:ext uri="{FF2B5EF4-FFF2-40B4-BE49-F238E27FC236}">
-                <a16:creationId xmlns:a16="http://schemas.microsoft.com/office/drawing/2014/main" xmlns="" id="{A19632DB-7356-4872-A656-3A0EA8733B80}"/>
-              </a:ext>
-            </a:extLst>
-          </p:cNvPr>
-          <p:cNvPicPr>
-            <a:picLocks noChangeAspect="1"/>
-          </p:cNvPicPr>
-          <p:nvPr/>
-        </p:nvPicPr>
-        <p:blipFill>
-          <a:blip r:embed="rId3"/>
-          <a:stretch>
-            <a:fillRect/>
-          </a:stretch>
-        </p:blipFill>
-        <p:spPr>
-          <a:xfrm>
-            <a:off x="2768641" y="3451774"/>
-            <a:ext cx="3568549" cy="2976856"/>
-          </a:xfrm>
-          <a:prstGeom prst="rect">
-            <a:avLst/>
-          </a:prstGeom>
-        </p:spPr>
-      </p:pic>
-    </p:spTree>
-    <p:extLst>
-      <p:ext uri="{BB962C8B-B14F-4D97-AF65-F5344CB8AC3E}">
-        <p14:creationId xmlns:p14="http://schemas.microsoft.com/office/powerpoint/2010/main" val="3629968441"/>
       </p:ext>
     </p:extLst>
   </p:cSld>
